--- a/midterm_exam/Midterm Exam.pptx
+++ b/midterm_exam/Midterm Exam.pptx
@@ -109,6 +109,11 @@
       </a:defRPr>
     </a:lvl9pPr>
   </p:defaultTextStyle>
+  <p:extLst>
+    <p:ext uri="{EFAFB233-063F-42B5-8137-9DF3F51BA10A}">
+      <p15:sldGuideLst xmlns:p15="http://schemas.microsoft.com/office/powerpoint/2012/main"/>
+    </p:ext>
+  </p:extLst>
 </p:presentation>
 </file>
 
@@ -154,10 +159,9 @@
           </a:lstStyle>
           <a:p>
             <a:r>
-              <a:rPr lang="ko-KR" altLang="en-US" smtClean="0"/>
+              <a:rPr lang="ko-KR" altLang="en-US"/>
               <a:t>마스터 제목 스타일 편집</a:t>
             </a:r>
-            <a:endParaRPr lang="ko-KR" altLang="en-US"/>
           </a:p>
         </p:txBody>
       </p:sp>
@@ -219,10 +223,9 @@
           </a:lstStyle>
           <a:p>
             <a:r>
-              <a:rPr lang="ko-KR" altLang="en-US" smtClean="0"/>
+              <a:rPr lang="ko-KR" altLang="en-US"/>
               <a:t>클릭하여 마스터 부제목 스타일 편집</a:t>
             </a:r>
-            <a:endParaRPr lang="ko-KR" altLang="en-US"/>
           </a:p>
         </p:txBody>
       </p:sp>
@@ -243,7 +246,7 @@
           <a:p>
             <a:fld id="{572BAF00-7FB9-48FF-B1D8-83C2D75E23C5}" type="datetimeFigureOut">
               <a:rPr lang="ko-KR" altLang="en-US" smtClean="0"/>
-              <a:t>2023-10-24</a:t>
+              <a:t>2023-11-26</a:t>
             </a:fld>
             <a:endParaRPr lang="ko-KR" altLang="en-US"/>
           </a:p>
@@ -337,10 +340,9 @@
           <a:lstStyle/>
           <a:p>
             <a:r>
-              <a:rPr lang="ko-KR" altLang="en-US" smtClean="0"/>
+              <a:rPr lang="ko-KR" altLang="en-US"/>
               <a:t>마스터 제목 스타일 편집</a:t>
             </a:r>
-            <a:endParaRPr lang="ko-KR" altLang="en-US"/>
           </a:p>
         </p:txBody>
       </p:sp>
@@ -361,38 +363,37 @@
           <a:p>
             <a:pPr lvl="0"/>
             <a:r>
-              <a:rPr lang="ko-KR" altLang="en-US" smtClean="0"/>
+              <a:rPr lang="ko-KR" altLang="en-US"/>
               <a:t>마스터 텍스트 스타일 편집</a:t>
             </a:r>
           </a:p>
           <a:p>
             <a:pPr lvl="1"/>
             <a:r>
-              <a:rPr lang="ko-KR" altLang="en-US" smtClean="0"/>
+              <a:rPr lang="ko-KR" altLang="en-US"/>
               <a:t>둘째 수준</a:t>
             </a:r>
           </a:p>
           <a:p>
             <a:pPr lvl="2"/>
             <a:r>
-              <a:rPr lang="ko-KR" altLang="en-US" smtClean="0"/>
+              <a:rPr lang="ko-KR" altLang="en-US"/>
               <a:t>셋째 수준</a:t>
             </a:r>
           </a:p>
           <a:p>
             <a:pPr lvl="3"/>
             <a:r>
-              <a:rPr lang="ko-KR" altLang="en-US" smtClean="0"/>
+              <a:rPr lang="ko-KR" altLang="en-US"/>
               <a:t>넷째 수준</a:t>
             </a:r>
           </a:p>
           <a:p>
             <a:pPr lvl="4"/>
             <a:r>
-              <a:rPr lang="ko-KR" altLang="en-US" smtClean="0"/>
+              <a:rPr lang="ko-KR" altLang="en-US"/>
               <a:t>다섯째 수준</a:t>
             </a:r>
-            <a:endParaRPr lang="ko-KR" altLang="en-US"/>
           </a:p>
         </p:txBody>
       </p:sp>
@@ -413,7 +414,7 @@
           <a:p>
             <a:fld id="{572BAF00-7FB9-48FF-B1D8-83C2D75E23C5}" type="datetimeFigureOut">
               <a:rPr lang="ko-KR" altLang="en-US" smtClean="0"/>
-              <a:t>2023-10-24</a:t>
+              <a:t>2023-11-26</a:t>
             </a:fld>
             <a:endParaRPr lang="ko-KR" altLang="en-US"/>
           </a:p>
@@ -512,10 +513,9 @@
           <a:lstStyle/>
           <a:p>
             <a:r>
-              <a:rPr lang="ko-KR" altLang="en-US" smtClean="0"/>
+              <a:rPr lang="ko-KR" altLang="en-US"/>
               <a:t>마스터 제목 스타일 편집</a:t>
             </a:r>
-            <a:endParaRPr lang="ko-KR" altLang="en-US"/>
           </a:p>
         </p:txBody>
       </p:sp>
@@ -541,38 +541,37 @@
           <a:p>
             <a:pPr lvl="0"/>
             <a:r>
-              <a:rPr lang="ko-KR" altLang="en-US" smtClean="0"/>
+              <a:rPr lang="ko-KR" altLang="en-US"/>
               <a:t>마스터 텍스트 스타일 편집</a:t>
             </a:r>
           </a:p>
           <a:p>
             <a:pPr lvl="1"/>
             <a:r>
-              <a:rPr lang="ko-KR" altLang="en-US" smtClean="0"/>
+              <a:rPr lang="ko-KR" altLang="en-US"/>
               <a:t>둘째 수준</a:t>
             </a:r>
           </a:p>
           <a:p>
             <a:pPr lvl="2"/>
             <a:r>
-              <a:rPr lang="ko-KR" altLang="en-US" smtClean="0"/>
+              <a:rPr lang="ko-KR" altLang="en-US"/>
               <a:t>셋째 수준</a:t>
             </a:r>
           </a:p>
           <a:p>
             <a:pPr lvl="3"/>
             <a:r>
-              <a:rPr lang="ko-KR" altLang="en-US" smtClean="0"/>
+              <a:rPr lang="ko-KR" altLang="en-US"/>
               <a:t>넷째 수준</a:t>
             </a:r>
           </a:p>
           <a:p>
             <a:pPr lvl="4"/>
             <a:r>
-              <a:rPr lang="ko-KR" altLang="en-US" smtClean="0"/>
+              <a:rPr lang="ko-KR" altLang="en-US"/>
               <a:t>다섯째 수준</a:t>
             </a:r>
-            <a:endParaRPr lang="ko-KR" altLang="en-US"/>
           </a:p>
         </p:txBody>
       </p:sp>
@@ -593,7 +592,7 @@
           <a:p>
             <a:fld id="{572BAF00-7FB9-48FF-B1D8-83C2D75E23C5}" type="datetimeFigureOut">
               <a:rPr lang="ko-KR" altLang="en-US" smtClean="0"/>
-              <a:t>2023-10-24</a:t>
+              <a:t>2023-11-26</a:t>
             </a:fld>
             <a:endParaRPr lang="ko-KR" altLang="en-US"/>
           </a:p>
@@ -687,10 +686,9 @@
           <a:lstStyle/>
           <a:p>
             <a:r>
-              <a:rPr lang="ko-KR" altLang="en-US" smtClean="0"/>
+              <a:rPr lang="ko-KR" altLang="en-US"/>
               <a:t>마스터 제목 스타일 편집</a:t>
             </a:r>
-            <a:endParaRPr lang="ko-KR" altLang="en-US"/>
           </a:p>
         </p:txBody>
       </p:sp>
@@ -711,38 +709,37 @@
           <a:p>
             <a:pPr lvl="0"/>
             <a:r>
-              <a:rPr lang="ko-KR" altLang="en-US" smtClean="0"/>
+              <a:rPr lang="ko-KR" altLang="en-US"/>
               <a:t>마스터 텍스트 스타일 편집</a:t>
             </a:r>
           </a:p>
           <a:p>
             <a:pPr lvl="1"/>
             <a:r>
-              <a:rPr lang="ko-KR" altLang="en-US" smtClean="0"/>
+              <a:rPr lang="ko-KR" altLang="en-US"/>
               <a:t>둘째 수준</a:t>
             </a:r>
           </a:p>
           <a:p>
             <a:pPr lvl="2"/>
             <a:r>
-              <a:rPr lang="ko-KR" altLang="en-US" smtClean="0"/>
+              <a:rPr lang="ko-KR" altLang="en-US"/>
               <a:t>셋째 수준</a:t>
             </a:r>
           </a:p>
           <a:p>
             <a:pPr lvl="3"/>
             <a:r>
-              <a:rPr lang="ko-KR" altLang="en-US" smtClean="0"/>
+              <a:rPr lang="ko-KR" altLang="en-US"/>
               <a:t>넷째 수준</a:t>
             </a:r>
           </a:p>
           <a:p>
             <a:pPr lvl="4"/>
             <a:r>
-              <a:rPr lang="ko-KR" altLang="en-US" smtClean="0"/>
+              <a:rPr lang="ko-KR" altLang="en-US"/>
               <a:t>다섯째 수준</a:t>
             </a:r>
-            <a:endParaRPr lang="ko-KR" altLang="en-US"/>
           </a:p>
         </p:txBody>
       </p:sp>
@@ -763,7 +760,7 @@
           <a:p>
             <a:fld id="{572BAF00-7FB9-48FF-B1D8-83C2D75E23C5}" type="datetimeFigureOut">
               <a:rPr lang="ko-KR" altLang="en-US" smtClean="0"/>
-              <a:t>2023-10-24</a:t>
+              <a:t>2023-11-26</a:t>
             </a:fld>
             <a:endParaRPr lang="ko-KR" altLang="en-US"/>
           </a:p>
@@ -866,10 +863,9 @@
           </a:lstStyle>
           <a:p>
             <a:r>
-              <a:rPr lang="ko-KR" altLang="en-US" smtClean="0"/>
+              <a:rPr lang="ko-KR" altLang="en-US"/>
               <a:t>마스터 제목 스타일 편집</a:t>
             </a:r>
-            <a:endParaRPr lang="ko-KR" altLang="en-US"/>
           </a:p>
         </p:txBody>
       </p:sp>
@@ -986,7 +982,7 @@
           <a:p>
             <a:pPr lvl="0"/>
             <a:r>
-              <a:rPr lang="ko-KR" altLang="en-US" smtClean="0"/>
+              <a:rPr lang="ko-KR" altLang="en-US"/>
               <a:t>마스터 텍스트 스타일 편집</a:t>
             </a:r>
           </a:p>
@@ -1009,7 +1005,7 @@
           <a:p>
             <a:fld id="{572BAF00-7FB9-48FF-B1D8-83C2D75E23C5}" type="datetimeFigureOut">
               <a:rPr lang="ko-KR" altLang="en-US" smtClean="0"/>
-              <a:t>2023-10-24</a:t>
+              <a:t>2023-11-26</a:t>
             </a:fld>
             <a:endParaRPr lang="ko-KR" altLang="en-US"/>
           </a:p>
@@ -1103,10 +1099,9 @@
           <a:lstStyle/>
           <a:p>
             <a:r>
-              <a:rPr lang="ko-KR" altLang="en-US" smtClean="0"/>
+              <a:rPr lang="ko-KR" altLang="en-US"/>
               <a:t>마스터 제목 스타일 편집</a:t>
             </a:r>
-            <a:endParaRPr lang="ko-KR" altLang="en-US"/>
           </a:p>
         </p:txBody>
       </p:sp>
@@ -1132,38 +1127,37 @@
           <a:p>
             <a:pPr lvl="0"/>
             <a:r>
-              <a:rPr lang="ko-KR" altLang="en-US" smtClean="0"/>
+              <a:rPr lang="ko-KR" altLang="en-US"/>
               <a:t>마스터 텍스트 스타일 편집</a:t>
             </a:r>
           </a:p>
           <a:p>
             <a:pPr lvl="1"/>
             <a:r>
-              <a:rPr lang="ko-KR" altLang="en-US" smtClean="0"/>
+              <a:rPr lang="ko-KR" altLang="en-US"/>
               <a:t>둘째 수준</a:t>
             </a:r>
           </a:p>
           <a:p>
             <a:pPr lvl="2"/>
             <a:r>
-              <a:rPr lang="ko-KR" altLang="en-US" smtClean="0"/>
+              <a:rPr lang="ko-KR" altLang="en-US"/>
               <a:t>셋째 수준</a:t>
             </a:r>
           </a:p>
           <a:p>
             <a:pPr lvl="3"/>
             <a:r>
-              <a:rPr lang="ko-KR" altLang="en-US" smtClean="0"/>
+              <a:rPr lang="ko-KR" altLang="en-US"/>
               <a:t>넷째 수준</a:t>
             </a:r>
           </a:p>
           <a:p>
             <a:pPr lvl="4"/>
             <a:r>
-              <a:rPr lang="ko-KR" altLang="en-US" smtClean="0"/>
+              <a:rPr lang="ko-KR" altLang="en-US"/>
               <a:t>다섯째 수준</a:t>
             </a:r>
-            <a:endParaRPr lang="ko-KR" altLang="en-US"/>
           </a:p>
         </p:txBody>
       </p:sp>
@@ -1189,38 +1183,37 @@
           <a:p>
             <a:pPr lvl="0"/>
             <a:r>
-              <a:rPr lang="ko-KR" altLang="en-US" smtClean="0"/>
+              <a:rPr lang="ko-KR" altLang="en-US"/>
               <a:t>마스터 텍스트 스타일 편집</a:t>
             </a:r>
           </a:p>
           <a:p>
             <a:pPr lvl="1"/>
             <a:r>
-              <a:rPr lang="ko-KR" altLang="en-US" smtClean="0"/>
+              <a:rPr lang="ko-KR" altLang="en-US"/>
               <a:t>둘째 수준</a:t>
             </a:r>
           </a:p>
           <a:p>
             <a:pPr lvl="2"/>
             <a:r>
-              <a:rPr lang="ko-KR" altLang="en-US" smtClean="0"/>
+              <a:rPr lang="ko-KR" altLang="en-US"/>
               <a:t>셋째 수준</a:t>
             </a:r>
           </a:p>
           <a:p>
             <a:pPr lvl="3"/>
             <a:r>
-              <a:rPr lang="ko-KR" altLang="en-US" smtClean="0"/>
+              <a:rPr lang="ko-KR" altLang="en-US"/>
               <a:t>넷째 수준</a:t>
             </a:r>
           </a:p>
           <a:p>
             <a:pPr lvl="4"/>
             <a:r>
-              <a:rPr lang="ko-KR" altLang="en-US" smtClean="0"/>
+              <a:rPr lang="ko-KR" altLang="en-US"/>
               <a:t>다섯째 수준</a:t>
             </a:r>
-            <a:endParaRPr lang="ko-KR" altLang="en-US"/>
           </a:p>
         </p:txBody>
       </p:sp>
@@ -1241,7 +1234,7 @@
           <a:p>
             <a:fld id="{572BAF00-7FB9-48FF-B1D8-83C2D75E23C5}" type="datetimeFigureOut">
               <a:rPr lang="ko-KR" altLang="en-US" smtClean="0"/>
-              <a:t>2023-10-24</a:t>
+              <a:t>2023-11-26</a:t>
             </a:fld>
             <a:endParaRPr lang="ko-KR" altLang="en-US"/>
           </a:p>
@@ -1340,10 +1333,9 @@
           <a:lstStyle/>
           <a:p>
             <a:r>
-              <a:rPr lang="ko-KR" altLang="en-US" smtClean="0"/>
+              <a:rPr lang="ko-KR" altLang="en-US"/>
               <a:t>마스터 제목 스타일 편집</a:t>
             </a:r>
-            <a:endParaRPr lang="ko-KR" altLang="en-US"/>
           </a:p>
         </p:txBody>
       </p:sp>
@@ -1406,7 +1398,7 @@
           <a:p>
             <a:pPr lvl="0"/>
             <a:r>
-              <a:rPr lang="ko-KR" altLang="en-US" smtClean="0"/>
+              <a:rPr lang="ko-KR" altLang="en-US"/>
               <a:t>마스터 텍스트 스타일 편집</a:t>
             </a:r>
           </a:p>
@@ -1434,38 +1426,37 @@
           <a:p>
             <a:pPr lvl="0"/>
             <a:r>
-              <a:rPr lang="ko-KR" altLang="en-US" smtClean="0"/>
+              <a:rPr lang="ko-KR" altLang="en-US"/>
               <a:t>마스터 텍스트 스타일 편집</a:t>
             </a:r>
           </a:p>
           <a:p>
             <a:pPr lvl="1"/>
             <a:r>
-              <a:rPr lang="ko-KR" altLang="en-US" smtClean="0"/>
+              <a:rPr lang="ko-KR" altLang="en-US"/>
               <a:t>둘째 수준</a:t>
             </a:r>
           </a:p>
           <a:p>
             <a:pPr lvl="2"/>
             <a:r>
-              <a:rPr lang="ko-KR" altLang="en-US" smtClean="0"/>
+              <a:rPr lang="ko-KR" altLang="en-US"/>
               <a:t>셋째 수준</a:t>
             </a:r>
           </a:p>
           <a:p>
             <a:pPr lvl="3"/>
             <a:r>
-              <a:rPr lang="ko-KR" altLang="en-US" smtClean="0"/>
+              <a:rPr lang="ko-KR" altLang="en-US"/>
               <a:t>넷째 수준</a:t>
             </a:r>
           </a:p>
           <a:p>
             <a:pPr lvl="4"/>
             <a:r>
-              <a:rPr lang="ko-KR" altLang="en-US" smtClean="0"/>
+              <a:rPr lang="ko-KR" altLang="en-US"/>
               <a:t>다섯째 수준</a:t>
             </a:r>
-            <a:endParaRPr lang="ko-KR" altLang="en-US"/>
           </a:p>
         </p:txBody>
       </p:sp>
@@ -1528,7 +1519,7 @@
           <a:p>
             <a:pPr lvl="0"/>
             <a:r>
-              <a:rPr lang="ko-KR" altLang="en-US" smtClean="0"/>
+              <a:rPr lang="ko-KR" altLang="en-US"/>
               <a:t>마스터 텍스트 스타일 편집</a:t>
             </a:r>
           </a:p>
@@ -1556,38 +1547,37 @@
           <a:p>
             <a:pPr lvl="0"/>
             <a:r>
-              <a:rPr lang="ko-KR" altLang="en-US" smtClean="0"/>
+              <a:rPr lang="ko-KR" altLang="en-US"/>
               <a:t>마스터 텍스트 스타일 편집</a:t>
             </a:r>
           </a:p>
           <a:p>
             <a:pPr lvl="1"/>
             <a:r>
-              <a:rPr lang="ko-KR" altLang="en-US" smtClean="0"/>
+              <a:rPr lang="ko-KR" altLang="en-US"/>
               <a:t>둘째 수준</a:t>
             </a:r>
           </a:p>
           <a:p>
             <a:pPr lvl="2"/>
             <a:r>
-              <a:rPr lang="ko-KR" altLang="en-US" smtClean="0"/>
+              <a:rPr lang="ko-KR" altLang="en-US"/>
               <a:t>셋째 수준</a:t>
             </a:r>
           </a:p>
           <a:p>
             <a:pPr lvl="3"/>
             <a:r>
-              <a:rPr lang="ko-KR" altLang="en-US" smtClean="0"/>
+              <a:rPr lang="ko-KR" altLang="en-US"/>
               <a:t>넷째 수준</a:t>
             </a:r>
           </a:p>
           <a:p>
             <a:pPr lvl="4"/>
             <a:r>
-              <a:rPr lang="ko-KR" altLang="en-US" smtClean="0"/>
+              <a:rPr lang="ko-KR" altLang="en-US"/>
               <a:t>다섯째 수준</a:t>
             </a:r>
-            <a:endParaRPr lang="ko-KR" altLang="en-US"/>
           </a:p>
         </p:txBody>
       </p:sp>
@@ -1608,7 +1598,7 @@
           <a:p>
             <a:fld id="{572BAF00-7FB9-48FF-B1D8-83C2D75E23C5}" type="datetimeFigureOut">
               <a:rPr lang="ko-KR" altLang="en-US" smtClean="0"/>
-              <a:t>2023-10-24</a:t>
+              <a:t>2023-11-26</a:t>
             </a:fld>
             <a:endParaRPr lang="ko-KR" altLang="en-US"/>
           </a:p>
@@ -1702,10 +1692,9 @@
           <a:lstStyle/>
           <a:p>
             <a:r>
-              <a:rPr lang="ko-KR" altLang="en-US" smtClean="0"/>
+              <a:rPr lang="ko-KR" altLang="en-US"/>
               <a:t>마스터 제목 스타일 편집</a:t>
             </a:r>
-            <a:endParaRPr lang="ko-KR" altLang="en-US"/>
           </a:p>
         </p:txBody>
       </p:sp>
@@ -1726,7 +1715,7 @@
           <a:p>
             <a:fld id="{572BAF00-7FB9-48FF-B1D8-83C2D75E23C5}" type="datetimeFigureOut">
               <a:rPr lang="ko-KR" altLang="en-US" smtClean="0"/>
-              <a:t>2023-10-24</a:t>
+              <a:t>2023-11-26</a:t>
             </a:fld>
             <a:endParaRPr lang="ko-KR" altLang="en-US"/>
           </a:p>
@@ -1821,7 +1810,7 @@
           <a:p>
             <a:fld id="{572BAF00-7FB9-48FF-B1D8-83C2D75E23C5}" type="datetimeFigureOut">
               <a:rPr lang="ko-KR" altLang="en-US" smtClean="0"/>
-              <a:t>2023-10-24</a:t>
+              <a:t>2023-11-26</a:t>
             </a:fld>
             <a:endParaRPr lang="ko-KR" altLang="en-US"/>
           </a:p>
@@ -1924,10 +1913,9 @@
           </a:lstStyle>
           <a:p>
             <a:r>
-              <a:rPr lang="ko-KR" altLang="en-US" smtClean="0"/>
+              <a:rPr lang="ko-KR" altLang="en-US"/>
               <a:t>마스터 제목 스타일 편집</a:t>
             </a:r>
-            <a:endParaRPr lang="ko-KR" altLang="en-US"/>
           </a:p>
         </p:txBody>
       </p:sp>
@@ -1981,38 +1969,37 @@
           <a:p>
             <a:pPr lvl="0"/>
             <a:r>
-              <a:rPr lang="ko-KR" altLang="en-US" smtClean="0"/>
+              <a:rPr lang="ko-KR" altLang="en-US"/>
               <a:t>마스터 텍스트 스타일 편집</a:t>
             </a:r>
           </a:p>
           <a:p>
             <a:pPr lvl="1"/>
             <a:r>
-              <a:rPr lang="ko-KR" altLang="en-US" smtClean="0"/>
+              <a:rPr lang="ko-KR" altLang="en-US"/>
               <a:t>둘째 수준</a:t>
             </a:r>
           </a:p>
           <a:p>
             <a:pPr lvl="2"/>
             <a:r>
-              <a:rPr lang="ko-KR" altLang="en-US" smtClean="0"/>
+              <a:rPr lang="ko-KR" altLang="en-US"/>
               <a:t>셋째 수준</a:t>
             </a:r>
           </a:p>
           <a:p>
             <a:pPr lvl="3"/>
             <a:r>
-              <a:rPr lang="ko-KR" altLang="en-US" smtClean="0"/>
+              <a:rPr lang="ko-KR" altLang="en-US"/>
               <a:t>넷째 수준</a:t>
             </a:r>
           </a:p>
           <a:p>
             <a:pPr lvl="4"/>
             <a:r>
-              <a:rPr lang="ko-KR" altLang="en-US" smtClean="0"/>
+              <a:rPr lang="ko-KR" altLang="en-US"/>
               <a:t>다섯째 수준</a:t>
             </a:r>
-            <a:endParaRPr lang="ko-KR" altLang="en-US"/>
           </a:p>
         </p:txBody>
       </p:sp>
@@ -2075,7 +2062,7 @@
           <a:p>
             <a:pPr lvl="0"/>
             <a:r>
-              <a:rPr lang="ko-KR" altLang="en-US" smtClean="0"/>
+              <a:rPr lang="ko-KR" altLang="en-US"/>
               <a:t>마스터 텍스트 스타일 편집</a:t>
             </a:r>
           </a:p>
@@ -2098,7 +2085,7 @@
           <a:p>
             <a:fld id="{572BAF00-7FB9-48FF-B1D8-83C2D75E23C5}" type="datetimeFigureOut">
               <a:rPr lang="ko-KR" altLang="en-US" smtClean="0"/>
-              <a:t>2023-10-24</a:t>
+              <a:t>2023-11-26</a:t>
             </a:fld>
             <a:endParaRPr lang="ko-KR" altLang="en-US"/>
           </a:p>
@@ -2201,10 +2188,9 @@
           </a:lstStyle>
           <a:p>
             <a:r>
-              <a:rPr lang="ko-KR" altLang="en-US" smtClean="0"/>
+              <a:rPr lang="ko-KR" altLang="en-US"/>
               <a:t>마스터 제목 스타일 편집</a:t>
             </a:r>
-            <a:endParaRPr lang="ko-KR" altLang="en-US"/>
           </a:p>
         </p:txBody>
       </p:sp>
@@ -2328,7 +2314,7 @@
           <a:p>
             <a:pPr lvl="0"/>
             <a:r>
-              <a:rPr lang="ko-KR" altLang="en-US" smtClean="0"/>
+              <a:rPr lang="ko-KR" altLang="en-US"/>
               <a:t>마스터 텍스트 스타일 편집</a:t>
             </a:r>
           </a:p>
@@ -2351,7 +2337,7 @@
           <a:p>
             <a:fld id="{572BAF00-7FB9-48FF-B1D8-83C2D75E23C5}" type="datetimeFigureOut">
               <a:rPr lang="ko-KR" altLang="en-US" smtClean="0"/>
-              <a:t>2023-10-24</a:t>
+              <a:t>2023-11-26</a:t>
             </a:fld>
             <a:endParaRPr lang="ko-KR" altLang="en-US"/>
           </a:p>
@@ -2460,10 +2446,9 @@
           <a:lstStyle/>
           <a:p>
             <a:r>
-              <a:rPr lang="ko-KR" altLang="en-US" smtClean="0"/>
+              <a:rPr lang="ko-KR" altLang="en-US"/>
               <a:t>마스터 제목 스타일 편집</a:t>
             </a:r>
-            <a:endParaRPr lang="ko-KR" altLang="en-US"/>
           </a:p>
         </p:txBody>
       </p:sp>
@@ -2494,38 +2479,37 @@
           <a:p>
             <a:pPr lvl="0"/>
             <a:r>
-              <a:rPr lang="ko-KR" altLang="en-US" smtClean="0"/>
+              <a:rPr lang="ko-KR" altLang="en-US"/>
               <a:t>마스터 텍스트 스타일 편집</a:t>
             </a:r>
           </a:p>
           <a:p>
             <a:pPr lvl="1"/>
             <a:r>
-              <a:rPr lang="ko-KR" altLang="en-US" smtClean="0"/>
+              <a:rPr lang="ko-KR" altLang="en-US"/>
               <a:t>둘째 수준</a:t>
             </a:r>
           </a:p>
           <a:p>
             <a:pPr lvl="2"/>
             <a:r>
-              <a:rPr lang="ko-KR" altLang="en-US" smtClean="0"/>
+              <a:rPr lang="ko-KR" altLang="en-US"/>
               <a:t>셋째 수준</a:t>
             </a:r>
           </a:p>
           <a:p>
             <a:pPr lvl="3"/>
             <a:r>
-              <a:rPr lang="ko-KR" altLang="en-US" smtClean="0"/>
+              <a:rPr lang="ko-KR" altLang="en-US"/>
               <a:t>넷째 수준</a:t>
             </a:r>
           </a:p>
           <a:p>
             <a:pPr lvl="4"/>
             <a:r>
-              <a:rPr lang="ko-KR" altLang="en-US" smtClean="0"/>
+              <a:rPr lang="ko-KR" altLang="en-US"/>
               <a:t>다섯째 수준</a:t>
             </a:r>
-            <a:endParaRPr lang="ko-KR" altLang="en-US"/>
           </a:p>
         </p:txBody>
       </p:sp>
@@ -2564,7 +2548,7 @@
           <a:p>
             <a:fld id="{572BAF00-7FB9-48FF-B1D8-83C2D75E23C5}" type="datetimeFigureOut">
               <a:rPr lang="ko-KR" altLang="en-US" smtClean="0"/>
-              <a:t>2023-10-24</a:t>
+              <a:t>2023-11-26</a:t>
             </a:fld>
             <a:endParaRPr lang="ko-KR" altLang="en-US"/>
           </a:p>
@@ -2985,17 +2969,16 @@
           <a:lstStyle/>
           <a:p>
             <a:r>
-              <a:rPr lang="en-US" altLang="ko-KR" dirty="0" smtClean="0"/>
+              <a:rPr lang="en-US" altLang="ko-KR" dirty="0"/>
               <a:t>Midterm Exam</a:t>
             </a:r>
             <a:br>
-              <a:rPr lang="en-US" altLang="ko-KR" dirty="0" smtClean="0"/>
+              <a:rPr lang="en-US" altLang="ko-KR" dirty="0"/>
             </a:br>
             <a:r>
-              <a:rPr lang="ko-KR" altLang="en-US" dirty="0" smtClean="0"/>
+              <a:rPr lang="ko-KR" altLang="en-US" dirty="0"/>
               <a:t>중간 시험</a:t>
             </a:r>
-            <a:endParaRPr lang="ko-KR" altLang="en-US" dirty="0"/>
           </a:p>
         </p:txBody>
       </p:sp>
@@ -3015,24 +2998,23 @@
           <a:lstStyle/>
           <a:p>
             <a:r>
-              <a:rPr lang="ko-KR" altLang="en-US" dirty="0" smtClean="0"/>
+              <a:rPr lang="ko-KR" altLang="en-US" dirty="0"/>
               <a:t>컴퓨터 소프트웨어과</a:t>
             </a:r>
-            <a:endParaRPr lang="en-US" altLang="ko-KR" dirty="0" smtClean="0"/>
-          </a:p>
-          <a:p>
             <a:endParaRPr lang="en-US" altLang="ko-KR" dirty="0"/>
           </a:p>
           <a:p>
-            <a:r>
-              <a:rPr lang="ko-KR" altLang="en-US" dirty="0" err="1" smtClean="0"/>
+            <a:endParaRPr lang="en-US" altLang="ko-KR" dirty="0"/>
+          </a:p>
+          <a:p>
+            <a:r>
+              <a:rPr lang="ko-KR" altLang="en-US" dirty="0" err="1"/>
               <a:t>이은석님</a:t>
             </a:r>
             <a:r>
-              <a:rPr lang="ko-KR" altLang="en-US" dirty="0" smtClean="0"/>
+              <a:rPr lang="ko-KR" altLang="en-US" dirty="0"/>
               <a:t> 중간시험</a:t>
             </a:r>
-            <a:endParaRPr lang="ko-KR" altLang="en-US" dirty="0"/>
           </a:p>
         </p:txBody>
       </p:sp>
@@ -3089,43 +3071,43 @@
           <a:lstStyle/>
           <a:p>
             <a:r>
-              <a:rPr lang="en-US" altLang="ko-KR" b="1" dirty="0" smtClean="0"/>
+              <a:rPr lang="en-US" altLang="ko-KR" b="1" dirty="0"/>
               <a:t>0. </a:t>
             </a:r>
             <a:r>
-              <a:rPr lang="ko-KR" altLang="en-US" b="1" dirty="0" smtClean="0"/>
+              <a:rPr lang="ko-KR" altLang="en-US" b="1" dirty="0"/>
               <a:t>이 과목에 불만이 있거나 문제 제기를 </a:t>
             </a:r>
             <a:r>
-              <a:rPr lang="ko-KR" altLang="en-US" b="1" dirty="0" err="1" smtClean="0"/>
+              <a:rPr lang="ko-KR" altLang="en-US" b="1" dirty="0" err="1"/>
               <a:t>하고픈점</a:t>
             </a:r>
             <a:r>
-              <a:rPr lang="en-US" altLang="ko-KR" b="1" dirty="0" smtClean="0"/>
+              <a:rPr lang="en-US" altLang="ko-KR" b="1" dirty="0"/>
               <a:t>. </a:t>
             </a:r>
             <a:r>
-              <a:rPr lang="ko-KR" altLang="en-US" b="1" dirty="0" smtClean="0"/>
+              <a:rPr lang="ko-KR" altLang="en-US" b="1" dirty="0"/>
               <a:t>적어주시면 수업에 </a:t>
             </a:r>
             <a:r>
-              <a:rPr lang="ko-KR" altLang="en-US" b="1" dirty="0" err="1" smtClean="0"/>
+              <a:rPr lang="ko-KR" altLang="en-US" b="1" dirty="0" err="1"/>
               <a:t>반영해드림</a:t>
             </a:r>
             <a:r>
-              <a:rPr lang="ko-KR" altLang="en-US" b="1" dirty="0" smtClean="0"/>
+              <a:rPr lang="ko-KR" altLang="en-US" b="1" dirty="0"/>
               <a:t> </a:t>
             </a:r>
             <a:r>
-              <a:rPr lang="en-US" altLang="ko-KR" b="1" dirty="0" smtClean="0"/>
+              <a:rPr lang="en-US" altLang="ko-KR" b="1" dirty="0"/>
               <a:t>(10</a:t>
             </a:r>
             <a:r>
-              <a:rPr lang="ko-KR" altLang="en-US" b="1" dirty="0" smtClean="0"/>
+              <a:rPr lang="ko-KR" altLang="en-US" b="1" dirty="0"/>
               <a:t>점</a:t>
             </a:r>
             <a:r>
-              <a:rPr lang="en-US" altLang="ko-KR" b="1" dirty="0" smtClean="0"/>
+              <a:rPr lang="en-US" altLang="ko-KR" b="1" dirty="0"/>
               <a:t>)</a:t>
             </a:r>
           </a:p>
@@ -3135,39 +3117,39 @@
               <a:buChar char="-"/>
             </a:pPr>
             <a:r>
-              <a:rPr lang="ko-KR" altLang="en-US" dirty="0" smtClean="0"/>
+              <a:rPr lang="ko-KR" altLang="en-US" dirty="0"/>
               <a:t>안쓰면 </a:t>
             </a:r>
             <a:r>
-              <a:rPr lang="en-US" altLang="ko-KR" dirty="0" smtClean="0"/>
+              <a:rPr lang="en-US" altLang="ko-KR" dirty="0"/>
               <a:t>0</a:t>
             </a:r>
             <a:r>
-              <a:rPr lang="ko-KR" altLang="en-US" dirty="0" smtClean="0"/>
+              <a:rPr lang="ko-KR" altLang="en-US" dirty="0"/>
               <a:t>점입니다</a:t>
             </a:r>
             <a:r>
-              <a:rPr lang="en-US" altLang="ko-KR" dirty="0" smtClean="0"/>
+              <a:rPr lang="en-US" altLang="ko-KR" dirty="0"/>
               <a:t>. </a:t>
             </a:r>
             <a:r>
-              <a:rPr lang="ko-KR" altLang="en-US" dirty="0" err="1" smtClean="0"/>
+              <a:rPr lang="ko-KR" altLang="en-US" dirty="0" err="1"/>
               <a:t>의미없는</a:t>
             </a:r>
             <a:r>
-              <a:rPr lang="ko-KR" altLang="en-US" dirty="0" smtClean="0"/>
+              <a:rPr lang="ko-KR" altLang="en-US" dirty="0"/>
               <a:t> 소리 적어도 </a:t>
             </a:r>
             <a:r>
-              <a:rPr lang="en-US" altLang="ko-KR" dirty="0" smtClean="0"/>
+              <a:rPr lang="en-US" altLang="ko-KR" dirty="0"/>
               <a:t>0</a:t>
             </a:r>
             <a:r>
-              <a:rPr lang="ko-KR" altLang="en-US" dirty="0" smtClean="0"/>
+              <a:rPr lang="ko-KR" altLang="en-US" dirty="0"/>
               <a:t>점</a:t>
             </a:r>
             <a:r>
-              <a:rPr lang="en-US" altLang="ko-KR" dirty="0" smtClean="0"/>
+              <a:rPr lang="en-US" altLang="ko-KR" dirty="0"/>
               <a:t>.</a:t>
             </a:r>
           </a:p>
@@ -3177,44 +3159,37 @@
               <a:buChar char="-"/>
             </a:pPr>
             <a:r>
-              <a:rPr lang="en-US" altLang="ko-KR" dirty="0" smtClean="0"/>
+              <a:rPr lang="en-US" altLang="ko-KR" dirty="0"/>
               <a:t>E-class text</a:t>
             </a:r>
             <a:r>
-              <a:rPr lang="ko-KR" altLang="en-US" dirty="0" err="1" smtClean="0"/>
+              <a:rPr lang="ko-KR" altLang="en-US" dirty="0" err="1"/>
               <a:t>란에다</a:t>
             </a:r>
             <a:r>
-              <a:rPr lang="ko-KR" altLang="en-US" dirty="0" smtClean="0"/>
+              <a:rPr lang="ko-KR" altLang="en-US" dirty="0"/>
               <a:t> 적으면 됨</a:t>
             </a:r>
             <a:r>
-              <a:rPr lang="en-US" altLang="ko-KR" dirty="0" smtClean="0"/>
+              <a:rPr lang="en-US" altLang="ko-KR" dirty="0"/>
               <a:t>. (</a:t>
             </a:r>
             <a:r>
-              <a:rPr lang="ko-KR" altLang="en-US" dirty="0" smtClean="0"/>
+              <a:rPr lang="ko-KR" altLang="en-US" dirty="0"/>
               <a:t>과제에서 </a:t>
             </a:r>
             <a:r>
-              <a:rPr lang="en-US" altLang="ko-KR" dirty="0" smtClean="0"/>
+              <a:rPr lang="en-US" altLang="ko-KR" dirty="0"/>
               <a:t>GIT</a:t>
             </a:r>
             <a:r>
-              <a:rPr lang="ko-KR" altLang="en-US" dirty="0" smtClean="0"/>
+              <a:rPr lang="ko-KR" altLang="en-US" dirty="0"/>
               <a:t> 주소 적는 거기 맞음</a:t>
             </a:r>
             <a:r>
-              <a:rPr lang="en-US" altLang="ko-KR" dirty="0" smtClean="0"/>
+              <a:rPr lang="en-US" altLang="ko-KR" dirty="0"/>
               <a:t>)</a:t>
             </a:r>
-          </a:p>
-          <a:p>
-            <a:pPr marL="285750" indent="-285750">
-              <a:buFontTx/>
-              <a:buChar char="-"/>
-            </a:pPr>
-            <a:endParaRPr lang="en-US" altLang="ko-KR" dirty="0" smtClean="0"/>
           </a:p>
           <a:p>
             <a:pPr marL="285750" indent="-285750">
@@ -3228,7 +3203,7 @@
               <a:buFontTx/>
               <a:buChar char="-"/>
             </a:pPr>
-            <a:endParaRPr lang="en-US" altLang="ko-KR" dirty="0" smtClean="0"/>
+            <a:endParaRPr lang="en-US" altLang="ko-KR" dirty="0"/>
           </a:p>
           <a:p>
             <a:pPr marL="285750" indent="-285750">
@@ -3242,11 +3217,18 @@
               <a:buFontTx/>
               <a:buChar char="-"/>
             </a:pPr>
-            <a:endParaRPr lang="en-US" altLang="ko-KR" dirty="0" smtClean="0"/>
-          </a:p>
-          <a:p>
-            <a:r>
-              <a:rPr lang="ko-KR" altLang="en-US" dirty="0" smtClean="0"/>
+            <a:endParaRPr lang="en-US" altLang="ko-KR" dirty="0"/>
+          </a:p>
+          <a:p>
+            <a:pPr marL="285750" indent="-285750">
+              <a:buFontTx/>
+              <a:buChar char="-"/>
+            </a:pPr>
+            <a:endParaRPr lang="en-US" altLang="ko-KR" dirty="0"/>
+          </a:p>
+          <a:p>
+            <a:r>
+              <a:rPr lang="ko-KR" altLang="en-US" dirty="0"/>
               <a:t>실시간 채점이 이루어질 예상이니 문제를 다 푸신 친구들은 조용히 손을 들어주세요</a:t>
             </a:r>
             <a:endParaRPr lang="en-US" altLang="ko-KR" dirty="0"/>
@@ -3306,19 +3288,19 @@
           <a:lstStyle/>
           <a:p>
             <a:r>
-              <a:rPr lang="ko-KR" altLang="en-US" b="1" dirty="0" smtClean="0"/>
+              <a:rPr lang="ko-KR" altLang="en-US" b="1" dirty="0"/>
               <a:t>디자이너나 기획자가 작성했다고 생각하고 보세요 </a:t>
             </a:r>
             <a:r>
-              <a:rPr lang="en-US" altLang="ko-KR" b="1" dirty="0" smtClean="0"/>
+              <a:rPr lang="en-US" altLang="ko-KR" b="1" dirty="0"/>
               <a:t>(</a:t>
             </a:r>
             <a:r>
-              <a:rPr lang="ko-KR" altLang="en-US" b="1" dirty="0" smtClean="0"/>
+              <a:rPr lang="ko-KR" altLang="en-US" b="1" dirty="0"/>
               <a:t>총 </a:t>
             </a:r>
             <a:r>
-              <a:rPr lang="en-US" altLang="ko-KR" b="1" dirty="0" smtClean="0"/>
+              <a:rPr lang="en-US" altLang="ko-KR" b="1" dirty="0"/>
               <a:t>25)</a:t>
             </a:r>
           </a:p>
@@ -3327,22 +3309,22 @@
               <a:buFont typeface="Arial" panose="020B0604020202020204" pitchFamily="34" charset="0"/>
               <a:buChar char="•"/>
             </a:pPr>
-            <a:endParaRPr lang="en-US" altLang="ko-KR" dirty="0" smtClean="0"/>
+            <a:endParaRPr lang="en-US" altLang="ko-KR" dirty="0"/>
           </a:p>
           <a:p>
             <a:pPr marL="342900" indent="-342900">
               <a:buAutoNum type="arabicPeriod"/>
             </a:pPr>
             <a:r>
-              <a:rPr lang="ko-KR" altLang="en-US" dirty="0" smtClean="0"/>
+              <a:rPr lang="ko-KR" altLang="en-US" dirty="0"/>
               <a:t>기본 윈도우를 만드시오 </a:t>
             </a:r>
             <a:r>
-              <a:rPr lang="en-US" altLang="ko-KR" dirty="0" smtClean="0"/>
+              <a:rPr lang="en-US" altLang="ko-KR" dirty="0"/>
               <a:t>(</a:t>
             </a:r>
             <a:r>
-              <a:rPr lang="ko-KR" altLang="en-US" dirty="0" smtClean="0"/>
+              <a:rPr lang="ko-KR" altLang="en-US" dirty="0"/>
               <a:t>생성 </a:t>
             </a:r>
             <a:r>
@@ -3350,23 +3332,23 @@
               <a:t>2</a:t>
             </a:r>
             <a:r>
-              <a:rPr lang="ko-KR" altLang="en-US" dirty="0" smtClean="0"/>
+              <a:rPr lang="ko-KR" altLang="en-US" dirty="0"/>
               <a:t>점</a:t>
             </a:r>
             <a:r>
-              <a:rPr lang="en-US" altLang="ko-KR" dirty="0" smtClean="0"/>
+              <a:rPr lang="en-US" altLang="ko-KR" dirty="0"/>
               <a:t>, </a:t>
             </a:r>
             <a:r>
-              <a:rPr lang="ko-KR" altLang="en-US" dirty="0" smtClean="0"/>
+              <a:rPr lang="ko-KR" altLang="en-US" dirty="0"/>
               <a:t>스타일</a:t>
             </a:r>
             <a:r>
-              <a:rPr lang="en-US" altLang="ko-KR" dirty="0" smtClean="0"/>
+              <a:rPr lang="en-US" altLang="ko-KR" dirty="0"/>
               <a:t>/</a:t>
             </a:r>
             <a:r>
-              <a:rPr lang="ko-KR" altLang="en-US" dirty="0" smtClean="0"/>
+              <a:rPr lang="ko-KR" altLang="en-US" dirty="0"/>
               <a:t>기능 </a:t>
             </a:r>
             <a:r>
@@ -3374,11 +3356,11 @@
               <a:t>3</a:t>
             </a:r>
             <a:r>
-              <a:rPr lang="ko-KR" altLang="en-US" dirty="0" smtClean="0"/>
+              <a:rPr lang="ko-KR" altLang="en-US" dirty="0"/>
               <a:t>점</a:t>
             </a:r>
             <a:r>
-              <a:rPr lang="en-US" altLang="ko-KR" dirty="0" smtClean="0"/>
+              <a:rPr lang="en-US" altLang="ko-KR" dirty="0"/>
               <a:t>)</a:t>
             </a:r>
           </a:p>
@@ -3388,14 +3370,21 @@
               <a:buChar char="•"/>
             </a:pPr>
             <a:r>
-              <a:rPr lang="ko-KR" altLang="en-US" dirty="0" smtClean="0"/>
+              <a:rPr lang="ko-KR" altLang="en-US" dirty="0">
+                <a:solidFill>
+                  <a:schemeClr val="bg2"/>
+                </a:solidFill>
+              </a:rPr>
               <a:t>뷰 사이즈는 </a:t>
             </a:r>
             <a:r>
-              <a:rPr lang="en-US" altLang="ko-KR" dirty="0" smtClean="0"/>
+              <a:rPr lang="en-US" altLang="ko-KR" dirty="0">
+                <a:solidFill>
+                  <a:schemeClr val="bg2"/>
+                </a:solidFill>
+              </a:rPr>
               <a:t>800px * 480px</a:t>
             </a:r>
-            <a:endParaRPr lang="en-US" altLang="ko-KR" dirty="0" smtClean="0"/>
           </a:p>
           <a:p>
             <a:pPr marL="742950" lvl="1" indent="-285750">
@@ -3403,26 +3392,50 @@
               <a:buChar char="•"/>
             </a:pPr>
             <a:r>
-              <a:rPr lang="ko-KR" altLang="en-US" dirty="0" smtClean="0"/>
+              <a:rPr lang="ko-KR" altLang="en-US" dirty="0">
+                <a:solidFill>
+                  <a:schemeClr val="bg2"/>
+                </a:solidFill>
+              </a:rPr>
               <a:t>윈도우의 </a:t>
             </a:r>
             <a:r>
-              <a:rPr lang="ko-KR" altLang="en-US" dirty="0" err="1" smtClean="0"/>
+              <a:rPr lang="ko-KR" altLang="en-US" dirty="0" err="1">
+                <a:solidFill>
+                  <a:schemeClr val="bg2"/>
+                </a:solidFill>
+              </a:rPr>
               <a:t>메뉴바</a:t>
             </a:r>
             <a:r>
-              <a:rPr lang="ko-KR" altLang="en-US" dirty="0" smtClean="0"/>
+              <a:rPr lang="ko-KR" altLang="en-US" dirty="0">
+                <a:solidFill>
+                  <a:schemeClr val="bg2"/>
+                </a:solidFill>
+              </a:rPr>
               <a:t> 포함 사이즈는 </a:t>
             </a:r>
             <a:r>
-              <a:rPr lang="en-US" altLang="ko-KR" dirty="0" smtClean="0"/>
+              <a:rPr lang="en-US" altLang="ko-KR" dirty="0">
+                <a:solidFill>
+                  <a:schemeClr val="bg2"/>
+                </a:solidFill>
+              </a:rPr>
               <a:t>800*480</a:t>
             </a:r>
             <a:r>
-              <a:rPr lang="ko-KR" altLang="en-US" dirty="0" smtClean="0"/>
+              <a:rPr lang="ko-KR" altLang="en-US" dirty="0">
+                <a:solidFill>
+                  <a:schemeClr val="bg2"/>
+                </a:solidFill>
+              </a:rPr>
               <a:t>이 아님</a:t>
             </a:r>
-            <a:endParaRPr lang="en-US" altLang="ko-KR" dirty="0" smtClean="0"/>
+            <a:endParaRPr lang="en-US" altLang="ko-KR" dirty="0">
+              <a:solidFill>
+                <a:schemeClr val="bg2"/>
+              </a:solidFill>
+            </a:endParaRPr>
           </a:p>
           <a:p>
             <a:pPr marL="742950" lvl="1" indent="-285750">
@@ -3430,19 +3443,35 @@
               <a:buChar char="•"/>
             </a:pPr>
             <a:r>
-              <a:rPr lang="ko-KR" altLang="en-US" dirty="0" smtClean="0"/>
+              <a:rPr lang="ko-KR" altLang="en-US" dirty="0">
+                <a:solidFill>
+                  <a:schemeClr val="bg2"/>
+                </a:solidFill>
+              </a:rPr>
               <a:t>뷰 색상은 </a:t>
             </a:r>
             <a:r>
-              <a:rPr lang="en-US" altLang="ko-KR" dirty="0" smtClean="0"/>
+              <a:rPr lang="en-US" altLang="ko-KR" dirty="0">
+                <a:solidFill>
+                  <a:schemeClr val="bg2"/>
+                </a:solidFill>
+              </a:rPr>
               <a:t>r:255 g:240 b:200 </a:t>
             </a:r>
             <a:r>
-              <a:rPr lang="ko-KR" altLang="en-US" dirty="0" smtClean="0"/>
+              <a:rPr lang="ko-KR" altLang="en-US" dirty="0">
+                <a:solidFill>
+                  <a:schemeClr val="bg2"/>
+                </a:solidFill>
+              </a:rPr>
               <a:t>입니다</a:t>
             </a:r>
             <a:r>
-              <a:rPr lang="en-US" altLang="ko-KR" dirty="0" smtClean="0"/>
+              <a:rPr lang="en-US" altLang="ko-KR" dirty="0">
+                <a:solidFill>
+                  <a:schemeClr val="bg2"/>
+                </a:solidFill>
+              </a:rPr>
               <a:t>.</a:t>
             </a:r>
           </a:p>
@@ -3452,19 +3481,35 @@
               <a:buChar char="•"/>
             </a:pPr>
             <a:r>
-              <a:rPr lang="ko-KR" altLang="en-US" dirty="0" smtClean="0"/>
+              <a:rPr lang="ko-KR" altLang="en-US" dirty="0">
+                <a:solidFill>
+                  <a:schemeClr val="bg2"/>
+                </a:solidFill>
+              </a:rPr>
               <a:t>확대</a:t>
             </a:r>
             <a:r>
-              <a:rPr lang="en-US" altLang="ko-KR" dirty="0" smtClean="0"/>
+              <a:rPr lang="en-US" altLang="ko-KR" dirty="0">
+                <a:solidFill>
+                  <a:schemeClr val="bg2"/>
+                </a:solidFill>
+              </a:rPr>
               <a:t>/</a:t>
             </a:r>
             <a:r>
-              <a:rPr lang="ko-KR" altLang="en-US" dirty="0" smtClean="0"/>
+              <a:rPr lang="ko-KR" altLang="en-US" dirty="0">
+                <a:solidFill>
+                  <a:schemeClr val="bg2"/>
+                </a:solidFill>
+              </a:rPr>
               <a:t>축소 기능은 사용하지 않습니다</a:t>
             </a:r>
             <a:r>
-              <a:rPr lang="en-US" altLang="ko-KR" dirty="0" smtClean="0"/>
+              <a:rPr lang="en-US" altLang="ko-KR" dirty="0">
+                <a:solidFill>
+                  <a:schemeClr val="bg2"/>
+                </a:solidFill>
+              </a:rPr>
               <a:t>.</a:t>
             </a:r>
           </a:p>
@@ -3474,10 +3519,18 @@
               <a:buChar char="•"/>
             </a:pPr>
             <a:r>
-              <a:rPr lang="ko-KR" altLang="en-US" dirty="0" smtClean="0"/>
+              <a:rPr lang="ko-KR" altLang="en-US" dirty="0">
+                <a:solidFill>
+                  <a:schemeClr val="bg2"/>
+                </a:solidFill>
+              </a:rPr>
               <a:t>메뉴에서 닫을 경우 프로세스 종료가 반드시 돼야함</a:t>
             </a:r>
-            <a:endParaRPr lang="en-US" altLang="ko-KR" dirty="0" smtClean="0"/>
+            <a:endParaRPr lang="en-US" altLang="ko-KR" dirty="0">
+              <a:solidFill>
+                <a:schemeClr val="bg2"/>
+              </a:solidFill>
+            </a:endParaRPr>
           </a:p>
           <a:p>
             <a:pPr marL="742950" lvl="1" indent="-285750">
@@ -3485,74 +3538,90 @@
               <a:buChar char="•"/>
             </a:pPr>
             <a:r>
-              <a:rPr lang="ko-KR" altLang="en-US" dirty="0" smtClean="0"/>
+              <a:rPr lang="ko-KR" altLang="en-US" dirty="0">
+                <a:solidFill>
+                  <a:schemeClr val="bg2"/>
+                </a:solidFill>
+              </a:rPr>
               <a:t>기본 마우스 스타일은 화살표</a:t>
             </a:r>
             <a:r>
-              <a:rPr lang="en-US" altLang="ko-KR" dirty="0" smtClean="0"/>
+              <a:rPr lang="en-US" altLang="ko-KR" dirty="0">
+                <a:solidFill>
+                  <a:schemeClr val="bg2"/>
+                </a:solidFill>
+              </a:rPr>
               <a:t>(ARROW)</a:t>
             </a:r>
             <a:r>
-              <a:rPr lang="ko-KR" altLang="en-US" dirty="0" smtClean="0"/>
+              <a:rPr lang="ko-KR" altLang="en-US" dirty="0">
+                <a:solidFill>
+                  <a:schemeClr val="bg2"/>
+                </a:solidFill>
+              </a:rPr>
               <a:t>로 함</a:t>
             </a:r>
-            <a:endParaRPr lang="en-US" altLang="ko-KR" dirty="0" smtClean="0"/>
+            <a:endParaRPr lang="en-US" altLang="ko-KR" dirty="0">
+              <a:solidFill>
+                <a:schemeClr val="bg2"/>
+              </a:solidFill>
+            </a:endParaRPr>
           </a:p>
           <a:p>
             <a:pPr lvl="1"/>
-            <a:endParaRPr lang="en-US" altLang="ko-KR" dirty="0" smtClean="0"/>
-          </a:p>
-          <a:p>
-            <a:r>
-              <a:rPr lang="en-US" altLang="ko-KR" dirty="0" smtClean="0"/>
+            <a:endParaRPr lang="en-US" altLang="ko-KR" dirty="0"/>
+          </a:p>
+          <a:p>
+            <a:r>
+              <a:rPr lang="en-US" altLang="ko-KR" dirty="0"/>
               <a:t>2. View</a:t>
             </a:r>
             <a:r>
-              <a:rPr lang="ko-KR" altLang="en-US" dirty="0" smtClean="0"/>
+              <a:rPr lang="ko-KR" altLang="en-US" dirty="0"/>
               <a:t>에 </a:t>
             </a:r>
             <a:r>
-              <a:rPr lang="en-US" altLang="ko-KR" dirty="0" smtClean="0"/>
+              <a:rPr lang="en-US" altLang="ko-KR" dirty="0"/>
               <a:t>Box</a:t>
             </a:r>
             <a:r>
-              <a:rPr lang="ko-KR" altLang="en-US" dirty="0" smtClean="0"/>
+              <a:rPr lang="ko-KR" altLang="en-US" dirty="0"/>
               <a:t>를 생성 </a:t>
             </a:r>
             <a:r>
-              <a:rPr lang="en-US" altLang="ko-KR" dirty="0" smtClean="0"/>
+              <a:rPr lang="en-US" altLang="ko-KR" dirty="0"/>
               <a:t>(</a:t>
             </a:r>
             <a:r>
-              <a:rPr lang="ko-KR" altLang="en-US" dirty="0" smtClean="0"/>
+              <a:rPr lang="ko-KR" altLang="en-US" dirty="0"/>
               <a:t>생성 </a:t>
             </a:r>
             <a:r>
-              <a:rPr lang="en-US" altLang="ko-KR" dirty="0" smtClean="0"/>
+              <a:rPr lang="en-US" altLang="ko-KR" dirty="0"/>
               <a:t>2</a:t>
             </a:r>
             <a:r>
-              <a:rPr lang="ko-KR" altLang="en-US" dirty="0" smtClean="0"/>
+              <a:rPr lang="ko-KR" altLang="en-US" dirty="0"/>
               <a:t>점</a:t>
             </a:r>
             <a:r>
-              <a:rPr lang="en-US" altLang="ko-KR" dirty="0" smtClean="0"/>
+              <a:rPr lang="en-US" altLang="ko-KR" dirty="0"/>
               <a:t>, </a:t>
             </a:r>
             <a:r>
-              <a:rPr lang="ko-KR" altLang="en-US" dirty="0" smtClean="0"/>
+              <a:rPr lang="ko-KR" altLang="en-US" dirty="0"/>
               <a:t>스타일 </a:t>
             </a:r>
             <a:r>
-              <a:rPr lang="en-US" altLang="ko-KR" dirty="0" smtClean="0"/>
+              <a:rPr lang="en-US" altLang="ko-KR" dirty="0"/>
               <a:t>3</a:t>
             </a:r>
             <a:r>
-              <a:rPr lang="ko-KR" altLang="en-US" dirty="0" smtClean="0"/>
+              <a:rPr lang="ko-KR" altLang="en-US" dirty="0"/>
               <a:t>점</a:t>
             </a:r>
             <a:r>
-              <a:rPr lang="en-US" altLang="ko-KR" dirty="0" smtClean="0"/>
+              <a:rPr lang="en-US" altLang="ko-KR" dirty="0"/>
               <a:t>)</a:t>
             </a:r>
           </a:p>
@@ -3562,7 +3631,11 @@
               <a:buChar char="•"/>
             </a:pPr>
             <a:r>
-              <a:rPr lang="en-US" altLang="ko-KR" dirty="0" smtClean="0"/>
+              <a:rPr lang="en-US" altLang="ko-KR" dirty="0">
+                <a:solidFill>
+                  <a:schemeClr val="bg2"/>
+                </a:solidFill>
+              </a:rPr>
               <a:t>Margin : 8px   </a:t>
             </a:r>
           </a:p>
@@ -3572,72 +3645,76 @@
               <a:buChar char="•"/>
             </a:pPr>
             <a:r>
-              <a:rPr lang="en-US" altLang="ko-KR" dirty="0" smtClean="0"/>
+              <a:rPr lang="en-US" altLang="ko-KR" dirty="0">
+                <a:solidFill>
+                  <a:schemeClr val="bg2"/>
+                </a:solidFill>
+              </a:rPr>
               <a:t>Padding : 8px</a:t>
             </a:r>
           </a:p>
           <a:p>
-            <a:endParaRPr lang="en-US" altLang="ko-KR" dirty="0" smtClean="0"/>
-          </a:p>
-          <a:p>
-            <a:r>
-              <a:rPr lang="en-US" altLang="ko-KR" dirty="0" smtClean="0"/>
+            <a:endParaRPr lang="en-US" altLang="ko-KR" dirty="0"/>
+          </a:p>
+          <a:p>
+            <a:r>
+              <a:rPr lang="en-US" altLang="ko-KR" dirty="0"/>
               <a:t>3. </a:t>
             </a:r>
             <a:r>
-              <a:rPr lang="ko-KR" altLang="en-US" dirty="0" smtClean="0"/>
+              <a:rPr lang="ko-KR" altLang="en-US" dirty="0"/>
               <a:t>버튼 </a:t>
-            </a:r>
-            <a:r>
-              <a:rPr lang="en-US" altLang="ko-KR" dirty="0" smtClean="0"/>
-              <a:t>5</a:t>
-            </a:r>
-            <a:r>
-              <a:rPr lang="ko-KR" altLang="en-US" dirty="0" smtClean="0"/>
-              <a:t>개를 </a:t>
-            </a:r>
-            <a:r>
-              <a:rPr lang="ko-KR" altLang="en-US" dirty="0" err="1" smtClean="0"/>
-              <a:t>생성하시오</a:t>
-            </a:r>
-            <a:r>
-              <a:rPr lang="ko-KR" altLang="en-US" dirty="0" smtClean="0"/>
-              <a:t> </a:t>
-            </a:r>
-            <a:r>
-              <a:rPr lang="en-US" altLang="ko-KR" dirty="0" smtClean="0"/>
-              <a:t>(</a:t>
-            </a:r>
-            <a:r>
-              <a:rPr lang="ko-KR" altLang="en-US" dirty="0" smtClean="0"/>
-              <a:t>생성 </a:t>
             </a:r>
             <a:r>
               <a:rPr lang="en-US" altLang="ko-KR" dirty="0"/>
               <a:t>5</a:t>
             </a:r>
             <a:r>
-              <a:rPr lang="ko-KR" altLang="en-US" dirty="0" smtClean="0"/>
-              <a:t>점</a:t>
-            </a:r>
-            <a:r>
-              <a:rPr lang="en-US" altLang="ko-KR" dirty="0" smtClean="0"/>
-              <a:t>, </a:t>
-            </a:r>
-            <a:r>
-              <a:rPr lang="ko-KR" altLang="en-US" dirty="0" smtClean="0"/>
-              <a:t>스타일 </a:t>
+              <a:rPr lang="ko-KR" altLang="en-US" dirty="0"/>
+              <a:t>개를 </a:t>
+            </a:r>
+            <a:r>
+              <a:rPr lang="ko-KR" altLang="en-US" dirty="0" err="1"/>
+              <a:t>생성하시오</a:t>
+            </a:r>
+            <a:r>
+              <a:rPr lang="ko-KR" altLang="en-US" dirty="0"/>
+              <a:t> </a:t>
+            </a:r>
+            <a:r>
+              <a:rPr lang="en-US" altLang="ko-KR" dirty="0"/>
+              <a:t>(</a:t>
+            </a:r>
+            <a:r>
+              <a:rPr lang="ko-KR" altLang="en-US" dirty="0"/>
+              <a:t>생성 </a:t>
             </a:r>
             <a:r>
               <a:rPr lang="en-US" altLang="ko-KR" dirty="0"/>
               <a:t>5</a:t>
             </a:r>
             <a:r>
-              <a:rPr lang="ko-KR" altLang="en-US" dirty="0" smtClean="0"/>
+              <a:rPr lang="ko-KR" altLang="en-US" dirty="0"/>
               <a:t>점</a:t>
             </a:r>
             <a:r>
-              <a:rPr lang="en-US" altLang="ko-KR" dirty="0" smtClean="0"/>
+              <a:rPr lang="en-US" altLang="ko-KR" dirty="0"/>
+              <a:t>, </a:t>
+            </a:r>
+            <a:r>
+              <a:rPr lang="ko-KR" altLang="en-US" dirty="0"/>
+              <a:t>스타일 </a:t>
+            </a:r>
+            <a:r>
+              <a:rPr lang="en-US" altLang="ko-KR" dirty="0"/>
+              <a:t>5</a:t>
+            </a:r>
+            <a:r>
+              <a:rPr lang="ko-KR" altLang="en-US" dirty="0"/>
+              <a:t>점</a:t>
+            </a:r>
+            <a:r>
+              <a:rPr lang="en-US" altLang="ko-KR" dirty="0"/>
               <a:t>)</a:t>
             </a:r>
           </a:p>
@@ -3647,30 +3724,34 @@
               <a:buChar char="•"/>
             </a:pPr>
             <a:r>
-              <a:rPr lang="ko-KR" altLang="en-US" dirty="0" smtClean="0"/>
+              <a:rPr lang="ko-KR" altLang="en-US" dirty="0">
+                <a:solidFill>
+                  <a:schemeClr val="bg2"/>
+                </a:solidFill>
+              </a:rPr>
               <a:t>버튼은 </a:t>
             </a:r>
             <a:r>
-              <a:rPr lang="en-US" altLang="ko-KR" dirty="0" smtClean="0"/>
-              <a:t>160</a:t>
-            </a:r>
-            <a:r>
-              <a:rPr lang="en-US" altLang="ko-KR" dirty="0" smtClean="0"/>
-              <a:t>px</a:t>
-            </a:r>
-            <a:r>
-              <a:rPr lang="en-US" altLang="ko-KR" dirty="0" smtClean="0"/>
-              <a:t>*64</a:t>
-            </a:r>
-            <a:r>
-              <a:rPr lang="en-US" altLang="ko-KR" dirty="0" smtClean="0"/>
-              <a:t>px</a:t>
-            </a:r>
-            <a:r>
-              <a:rPr lang="ko-KR" altLang="en-US" dirty="0" smtClean="0"/>
+              <a:rPr lang="en-US" altLang="ko-KR" dirty="0">
+                <a:solidFill>
+                  <a:schemeClr val="bg2"/>
+                </a:solidFill>
+              </a:rPr>
+              <a:t>160px*64px</a:t>
+            </a:r>
+            <a:r>
+              <a:rPr lang="ko-KR" altLang="en-US" dirty="0">
+                <a:solidFill>
+                  <a:schemeClr val="bg2"/>
+                </a:solidFill>
+              </a:rPr>
               <a:t>을 준수하세요</a:t>
             </a:r>
-            <a:endParaRPr lang="en-US" altLang="ko-KR" dirty="0" smtClean="0"/>
+            <a:endParaRPr lang="en-US" altLang="ko-KR" dirty="0">
+              <a:solidFill>
+                <a:schemeClr val="bg2"/>
+              </a:solidFill>
+            </a:endParaRPr>
           </a:p>
           <a:p>
             <a:pPr marL="742950" lvl="1" indent="-285750">
@@ -3678,15 +3759,27 @@
               <a:buChar char="•"/>
             </a:pPr>
             <a:r>
-              <a:rPr lang="en-US" altLang="ko-KR" dirty="0" smtClean="0"/>
+              <a:rPr lang="en-US" altLang="ko-KR" dirty="0">
+                <a:solidFill>
+                  <a:schemeClr val="bg2"/>
+                </a:solidFill>
+              </a:rPr>
               <a:t>Margin 16px</a:t>
             </a:r>
             <a:r>
-              <a:rPr lang="ko-KR" altLang="en-US" dirty="0" smtClean="0"/>
+              <a:rPr lang="ko-KR" altLang="en-US" dirty="0">
+                <a:solidFill>
+                  <a:schemeClr val="bg2"/>
+                </a:solidFill>
+              </a:rPr>
               <a:t>입니다</a:t>
             </a:r>
             <a:r>
-              <a:rPr lang="en-US" altLang="ko-KR" dirty="0" smtClean="0"/>
+              <a:rPr lang="en-US" altLang="ko-KR" dirty="0">
+                <a:solidFill>
+                  <a:schemeClr val="bg2"/>
+                </a:solidFill>
+              </a:rPr>
               <a:t>.</a:t>
             </a:r>
           </a:p>
@@ -3696,26 +3789,50 @@
               <a:buChar char="•"/>
             </a:pPr>
             <a:r>
-              <a:rPr lang="ko-KR" altLang="en-US" dirty="0" smtClean="0"/>
+              <a:rPr lang="ko-KR" altLang="en-US" dirty="0">
+                <a:solidFill>
+                  <a:schemeClr val="bg2"/>
+                </a:solidFill>
+              </a:rPr>
               <a:t>공간이 부족할 경우 </a:t>
             </a:r>
             <a:r>
-              <a:rPr lang="en-US" altLang="ko-KR" dirty="0" smtClean="0"/>
+              <a:rPr lang="en-US" altLang="ko-KR" dirty="0">
+                <a:solidFill>
+                  <a:schemeClr val="bg2"/>
+                </a:solidFill>
+              </a:rPr>
               <a:t>2</a:t>
             </a:r>
             <a:r>
-              <a:rPr lang="ko-KR" altLang="en-US" dirty="0" smtClean="0"/>
+              <a:rPr lang="ko-KR" altLang="en-US" dirty="0">
+                <a:solidFill>
+                  <a:schemeClr val="bg2"/>
+                </a:solidFill>
+              </a:rPr>
               <a:t>번 </a:t>
             </a:r>
             <a:r>
-              <a:rPr lang="en-US" altLang="ko-KR" dirty="0" smtClean="0"/>
+              <a:rPr lang="en-US" altLang="ko-KR" dirty="0">
+                <a:solidFill>
+                  <a:schemeClr val="bg2"/>
+                </a:solidFill>
+              </a:rPr>
               <a:t>box</a:t>
             </a:r>
             <a:r>
-              <a:rPr lang="ko-KR" altLang="en-US" dirty="0" smtClean="0"/>
+              <a:rPr lang="ko-KR" altLang="en-US" dirty="0">
+                <a:solidFill>
+                  <a:schemeClr val="bg2"/>
+                </a:solidFill>
+              </a:rPr>
               <a:t>의 비율에 맞추어 사이즈를 재조정하세요</a:t>
             </a:r>
-            <a:endParaRPr lang="en-US" altLang="ko-KR" dirty="0" smtClean="0"/>
+            <a:endParaRPr lang="en-US" altLang="ko-KR" dirty="0">
+              <a:solidFill>
+                <a:schemeClr val="bg2"/>
+              </a:solidFill>
+            </a:endParaRPr>
           </a:p>
           <a:p>
             <a:pPr marL="742950" lvl="1" indent="-285750">
@@ -3723,53 +3840,53 @@
               <a:buChar char="•"/>
             </a:pPr>
             <a:r>
-              <a:rPr lang="ko-KR" altLang="en-US" dirty="0" smtClean="0"/>
+              <a:rPr lang="ko-KR" altLang="en-US" dirty="0">
+                <a:solidFill>
+                  <a:schemeClr val="bg2"/>
+                </a:solidFill>
+              </a:rPr>
               <a:t>기능은 뒷면에</a:t>
             </a:r>
             <a:r>
-              <a:rPr lang="en-US" altLang="ko-KR" dirty="0" smtClean="0"/>
+              <a:rPr lang="en-US" altLang="ko-KR" dirty="0">
+                <a:solidFill>
+                  <a:schemeClr val="bg2"/>
+                </a:solidFill>
+              </a:rPr>
               <a:t>….</a:t>
             </a:r>
           </a:p>
           <a:p>
-            <a:endParaRPr lang="en-US" altLang="ko-KR" dirty="0" smtClean="0"/>
+            <a:endParaRPr lang="en-US" altLang="ko-KR" dirty="0"/>
           </a:p>
           <a:p>
             <a:r>
               <a:rPr lang="en-US" altLang="ko-KR" dirty="0"/>
-              <a:t>4</a:t>
-            </a:r>
-            <a:r>
-              <a:rPr lang="en-US" altLang="ko-KR" dirty="0" smtClean="0"/>
-              <a:t>. </a:t>
-            </a:r>
-            <a:r>
-              <a:rPr lang="ko-KR" altLang="en-US" dirty="0" smtClean="0"/>
+              <a:t>4. </a:t>
+            </a:r>
+            <a:r>
+              <a:rPr lang="ko-KR" altLang="en-US" dirty="0"/>
               <a:t>드로잉 영역 설정 </a:t>
             </a:r>
             <a:r>
-              <a:rPr lang="en-US" altLang="ko-KR" dirty="0" smtClean="0"/>
+              <a:rPr lang="en-US" altLang="ko-KR" dirty="0"/>
               <a:t>(</a:t>
             </a:r>
             <a:r>
-              <a:rPr lang="ko-KR" altLang="en-US" dirty="0" smtClean="0"/>
+              <a:rPr lang="ko-KR" altLang="en-US" dirty="0"/>
               <a:t>마우스 아이콘 </a:t>
             </a:r>
             <a:r>
-              <a:rPr lang="ko-KR" altLang="en-US" dirty="0" err="1" smtClean="0"/>
+              <a:rPr lang="ko-KR" altLang="en-US" dirty="0" err="1"/>
               <a:t>동작여부</a:t>
             </a:r>
             <a:r>
-              <a:rPr lang="ko-KR" altLang="en-US" dirty="0" smtClean="0"/>
+              <a:rPr lang="ko-KR" altLang="en-US" dirty="0"/>
               <a:t> 체크 </a:t>
             </a:r>
             <a:r>
               <a:rPr lang="en-US" altLang="ko-KR" dirty="0"/>
-              <a:t>5</a:t>
-            </a:r>
-            <a:r>
-              <a:rPr lang="en-US" altLang="ko-KR" dirty="0" smtClean="0"/>
-              <a:t>)</a:t>
+              <a:t>5)</a:t>
             </a:r>
           </a:p>
           <a:p>
@@ -3778,11 +3895,19 @@
               <a:buChar char="•"/>
             </a:pPr>
             <a:r>
-              <a:rPr lang="ko-KR" altLang="en-US" dirty="0" smtClean="0"/>
+              <a:rPr lang="ko-KR" altLang="en-US" dirty="0">
+                <a:solidFill>
+                  <a:schemeClr val="bg2"/>
+                </a:solidFill>
+              </a:rPr>
               <a:t>드로잉영역은 </a:t>
             </a:r>
             <a:r>
-              <a:rPr lang="en-US" altLang="ko-KR" dirty="0" smtClean="0"/>
+              <a:rPr lang="en-US" altLang="ko-KR" dirty="0">
+                <a:solidFill>
+                  <a:schemeClr val="bg2"/>
+                </a:solidFill>
+              </a:rPr>
               <a:t>Margin : 0    Padding: 0     RGB(255,255,255)</a:t>
             </a:r>
           </a:p>
@@ -3792,18 +3917,34 @@
               <a:buChar char="•"/>
             </a:pPr>
             <a:r>
-              <a:rPr lang="ko-KR" altLang="en-US" dirty="0" smtClean="0"/>
+              <a:rPr lang="ko-KR" altLang="en-US" dirty="0">
+                <a:solidFill>
+                  <a:schemeClr val="bg2"/>
+                </a:solidFill>
+              </a:rPr>
               <a:t>마우스가 </a:t>
             </a:r>
             <a:r>
-              <a:rPr lang="en-US" altLang="ko-KR" dirty="0" smtClean="0"/>
+              <a:rPr lang="en-US" altLang="ko-KR" dirty="0">
+                <a:solidFill>
+                  <a:schemeClr val="bg2"/>
+                </a:solidFill>
+              </a:rPr>
               <a:t>+(CROSS) </a:t>
             </a:r>
             <a:r>
-              <a:rPr lang="ko-KR" altLang="en-US" dirty="0" smtClean="0"/>
+              <a:rPr lang="ko-KR" altLang="en-US" dirty="0">
+                <a:solidFill>
+                  <a:schemeClr val="bg2"/>
+                </a:solidFill>
+              </a:rPr>
               <a:t>모양으로 변함</a:t>
             </a:r>
-            <a:endParaRPr lang="en-US" altLang="ko-KR" dirty="0" smtClean="0"/>
+            <a:endParaRPr lang="en-US" altLang="ko-KR" dirty="0">
+              <a:solidFill>
+                <a:schemeClr val="bg2"/>
+              </a:solidFill>
+            </a:endParaRPr>
           </a:p>
           <a:p>
             <a:endParaRPr lang="ko-KR" altLang="en-US" dirty="0"/>
@@ -3994,10 +4135,9 @@
           <a:p>
             <a:pPr algn="ctr"/>
             <a:r>
-              <a:rPr lang="ko-KR" altLang="en-US" dirty="0" smtClean="0"/>
+              <a:rPr lang="ko-KR" altLang="en-US" dirty="0"/>
               <a:t>드로잉 영역</a:t>
             </a:r>
-            <a:endParaRPr lang="ko-KR" altLang="en-US" dirty="0"/>
           </a:p>
         </p:txBody>
       </p:sp>
@@ -4048,7 +4188,7 @@
           <a:p>
             <a:pPr algn="ctr"/>
             <a:r>
-              <a:rPr lang="en-US" altLang="ko-KR" dirty="0" err="1" smtClean="0">
+              <a:rPr lang="en-US" altLang="ko-KR" dirty="0" err="1">
                 <a:solidFill>
                   <a:schemeClr val="tx1"/>
                 </a:solidFill>
@@ -4110,7 +4250,7 @@
           <a:p>
             <a:pPr algn="ctr"/>
             <a:r>
-              <a:rPr lang="en-US" altLang="ko-KR" dirty="0" smtClean="0">
+              <a:rPr lang="en-US" altLang="ko-KR" dirty="0">
                 <a:solidFill>
                   <a:schemeClr val="tx1"/>
                 </a:solidFill>
@@ -4178,27 +4318,27 @@
           <a:lstStyle/>
           <a:p>
             <a:r>
-              <a:rPr lang="ko-KR" altLang="en-US" b="1" dirty="0" smtClean="0"/>
+              <a:rPr lang="ko-KR" altLang="en-US" b="1" dirty="0"/>
               <a:t>디자이너나 기획자가 작성했다고 생각하고 보세요</a:t>
             </a:r>
             <a:r>
-              <a:rPr lang="en-US" altLang="ko-KR" b="1" dirty="0" smtClean="0"/>
+              <a:rPr lang="en-US" altLang="ko-KR" b="1" dirty="0"/>
               <a:t>2</a:t>
             </a:r>
             <a:r>
-              <a:rPr lang="ko-KR" altLang="en-US" b="1" dirty="0" smtClean="0"/>
+              <a:rPr lang="ko-KR" altLang="en-US" b="1" dirty="0"/>
               <a:t> </a:t>
             </a:r>
             <a:r>
-              <a:rPr lang="en-US" altLang="ko-KR" b="1" dirty="0" smtClean="0"/>
+              <a:rPr lang="en-US" altLang="ko-KR" b="1" dirty="0"/>
               <a:t>(</a:t>
             </a:r>
             <a:r>
-              <a:rPr lang="ko-KR" altLang="en-US" b="1" dirty="0" smtClean="0"/>
+              <a:rPr lang="ko-KR" altLang="en-US" b="1" dirty="0"/>
               <a:t>총 </a:t>
             </a:r>
             <a:r>
-              <a:rPr lang="en-US" altLang="ko-KR" b="1" dirty="0" smtClean="0"/>
+              <a:rPr lang="en-US" altLang="ko-KR" b="1" dirty="0"/>
               <a:t>65)</a:t>
             </a:r>
           </a:p>
@@ -4207,7 +4347,7 @@
               <a:buFont typeface="Arial" panose="020B0604020202020204" pitchFamily="34" charset="0"/>
               <a:buChar char="•"/>
             </a:pPr>
-            <a:endParaRPr lang="en-US" altLang="ko-KR" dirty="0" smtClean="0"/>
+            <a:endParaRPr lang="en-US" altLang="ko-KR" dirty="0"/>
           </a:p>
           <a:p>
             <a:pPr marL="285750" indent="-285750">
@@ -4215,11 +4355,11 @@
               <a:buChar char="•"/>
             </a:pPr>
             <a:r>
-              <a:rPr lang="ko-KR" altLang="en-US" dirty="0" smtClean="0"/>
+              <a:rPr lang="ko-KR" altLang="en-US" dirty="0"/>
               <a:t>버튼에 대한 기능입니다</a:t>
             </a:r>
             <a:r>
-              <a:rPr lang="en-US" altLang="ko-KR" dirty="0" smtClean="0"/>
+              <a:rPr lang="en-US" altLang="ko-KR" dirty="0"/>
               <a:t>.</a:t>
             </a:r>
           </a:p>
@@ -4229,11 +4369,15 @@
               <a:buChar char="•"/>
             </a:pPr>
             <a:r>
-              <a:rPr lang="ko-KR" altLang="en-US" dirty="0" smtClean="0"/>
+              <a:rPr lang="ko-KR" altLang="en-US" dirty="0">
+                <a:solidFill>
+                  <a:schemeClr val="bg2"/>
+                </a:solidFill>
+              </a:rPr>
               <a:t>모든 버튼은 누르면 드로잉 영역을 초기화한다</a:t>
             </a:r>
             <a:r>
-              <a:rPr lang="en-US" altLang="ko-KR" dirty="0" smtClean="0"/>
+              <a:rPr lang="en-US" altLang="ko-KR" dirty="0"/>
               <a:t>.</a:t>
             </a:r>
           </a:p>
@@ -4243,27 +4387,51 @@
               <a:buChar char="•"/>
             </a:pPr>
             <a:r>
-              <a:rPr lang="ko-KR" altLang="en-US" dirty="0" smtClean="0"/>
+              <a:rPr lang="ko-KR" altLang="en-US" dirty="0">
+                <a:solidFill>
+                  <a:schemeClr val="bg2"/>
+                </a:solidFill>
+              </a:rPr>
               <a:t>오브젝트는 무조건 </a:t>
             </a:r>
             <a:r>
-              <a:rPr lang="en-US" altLang="ko-KR" dirty="0" smtClean="0"/>
+              <a:rPr lang="en-US" altLang="ko-KR" dirty="0">
+                <a:solidFill>
+                  <a:schemeClr val="bg2"/>
+                </a:solidFill>
+              </a:rPr>
               <a:t>1</a:t>
             </a:r>
             <a:r>
-              <a:rPr lang="ko-KR" altLang="en-US" dirty="0" smtClean="0"/>
+              <a:rPr lang="ko-KR" altLang="en-US" dirty="0">
+                <a:solidFill>
+                  <a:schemeClr val="bg2"/>
+                </a:solidFill>
+              </a:rPr>
               <a:t>개씩만 그릴 수 있다 </a:t>
             </a:r>
             <a:r>
-              <a:rPr lang="en-US" altLang="ko-KR" dirty="0" smtClean="0"/>
+              <a:rPr lang="en-US" altLang="ko-KR" dirty="0">
+                <a:solidFill>
+                  <a:schemeClr val="bg2"/>
+                </a:solidFill>
+              </a:rPr>
               <a:t>(</a:t>
             </a:r>
             <a:r>
-              <a:rPr lang="ko-KR" altLang="en-US" dirty="0" smtClean="0"/>
+              <a:rPr lang="ko-KR" altLang="en-US" dirty="0">
+                <a:solidFill>
+                  <a:schemeClr val="bg2"/>
+                </a:solidFill>
+              </a:rPr>
               <a:t>덮어쓰기 안됨</a:t>
             </a:r>
             <a:r>
-              <a:rPr lang="en-US" altLang="ko-KR" dirty="0" smtClean="0"/>
+              <a:rPr lang="en-US" altLang="ko-KR" dirty="0">
+                <a:solidFill>
+                  <a:schemeClr val="bg2"/>
+                </a:solidFill>
+              </a:rPr>
               <a:t>)</a:t>
             </a:r>
           </a:p>
@@ -4273,27 +4441,51 @@
               <a:buChar char="•"/>
             </a:pPr>
             <a:r>
-              <a:rPr lang="ko-KR" altLang="en-US" dirty="0" smtClean="0"/>
+              <a:rPr lang="ko-KR" altLang="en-US" dirty="0">
+                <a:solidFill>
+                  <a:schemeClr val="bg2"/>
+                </a:solidFill>
+              </a:rPr>
               <a:t>위 요소 </a:t>
             </a:r>
             <a:r>
-              <a:rPr lang="ko-KR" altLang="en-US" dirty="0" err="1" smtClean="0"/>
+              <a:rPr lang="ko-KR" altLang="en-US" dirty="0" err="1">
+                <a:solidFill>
+                  <a:schemeClr val="bg2"/>
+                </a:solidFill>
+              </a:rPr>
               <a:t>안지켜지면</a:t>
             </a:r>
             <a:r>
-              <a:rPr lang="ko-KR" altLang="en-US" dirty="0" smtClean="0"/>
+              <a:rPr lang="ko-KR" altLang="en-US" dirty="0">
+                <a:solidFill>
+                  <a:schemeClr val="bg2"/>
+                </a:solidFill>
+              </a:rPr>
               <a:t> </a:t>
             </a:r>
             <a:r>
-              <a:rPr lang="en-US" altLang="ko-KR" dirty="0" smtClean="0"/>
+              <a:rPr lang="en-US" altLang="ko-KR" dirty="0">
+                <a:solidFill>
+                  <a:schemeClr val="bg2"/>
+                </a:solidFill>
+              </a:rPr>
               <a:t>5</a:t>
             </a:r>
             <a:r>
-              <a:rPr lang="ko-KR" altLang="en-US" dirty="0" smtClean="0"/>
+              <a:rPr lang="ko-KR" altLang="en-US" dirty="0">
+                <a:solidFill>
+                  <a:schemeClr val="bg2"/>
+                </a:solidFill>
+              </a:rPr>
               <a:t>점씩 감점</a:t>
             </a:r>
             <a:r>
-              <a:rPr lang="en-US" altLang="ko-KR" dirty="0" smtClean="0"/>
+              <a:rPr lang="en-US" altLang="ko-KR" dirty="0">
+                <a:solidFill>
+                  <a:schemeClr val="bg2"/>
+                </a:solidFill>
+              </a:rPr>
               <a:t> </a:t>
             </a:r>
           </a:p>
@@ -4305,15 +4497,15 @@
               <a:buAutoNum type="arabicPeriod"/>
             </a:pPr>
             <a:r>
-              <a:rPr lang="en-US" altLang="ko-KR" dirty="0" smtClean="0"/>
+              <a:rPr lang="en-US" altLang="ko-KR" dirty="0"/>
               <a:t>Box (10</a:t>
             </a:r>
             <a:r>
-              <a:rPr lang="ko-KR" altLang="en-US" dirty="0" smtClean="0"/>
+              <a:rPr lang="ko-KR" altLang="en-US" dirty="0"/>
               <a:t>점</a:t>
             </a:r>
             <a:r>
-              <a:rPr lang="en-US" altLang="ko-KR" dirty="0" smtClean="0"/>
+              <a:rPr lang="en-US" altLang="ko-KR" dirty="0"/>
               <a:t>)</a:t>
             </a:r>
           </a:p>
@@ -4323,14 +4515,26 @@
               <a:buChar char="•"/>
             </a:pPr>
             <a:r>
-              <a:rPr lang="ko-KR" altLang="en-US" dirty="0" err="1" smtClean="0"/>
+              <a:rPr lang="ko-KR" altLang="en-US" dirty="0" err="1">
+                <a:solidFill>
+                  <a:schemeClr val="bg2"/>
+                </a:solidFill>
+              </a:rPr>
               <a:t>좌클릭으로</a:t>
             </a:r>
             <a:r>
-              <a:rPr lang="ko-KR" altLang="en-US" dirty="0" smtClean="0"/>
+              <a:rPr lang="ko-KR" altLang="en-US" dirty="0">
+                <a:solidFill>
+                  <a:schemeClr val="bg2"/>
+                </a:solidFill>
+              </a:rPr>
               <a:t> 드래그 한 영역에 박스를 그려주세요</a:t>
             </a:r>
-            <a:endParaRPr lang="en-US" altLang="ko-KR" dirty="0" smtClean="0"/>
+            <a:endParaRPr lang="en-US" altLang="ko-KR" dirty="0">
+              <a:solidFill>
+                <a:schemeClr val="bg2"/>
+              </a:solidFill>
+            </a:endParaRPr>
           </a:p>
           <a:p>
             <a:pPr marL="742950" lvl="1" indent="-285750">
@@ -4338,19 +4542,35 @@
               <a:buChar char="•"/>
             </a:pPr>
             <a:r>
-              <a:rPr lang="ko-KR" altLang="en-US" dirty="0" smtClean="0"/>
+              <a:rPr lang="ko-KR" altLang="en-US" dirty="0">
+                <a:solidFill>
+                  <a:schemeClr val="bg2"/>
+                </a:solidFill>
+              </a:rPr>
               <a:t>박스 위에서 </a:t>
             </a:r>
             <a:r>
-              <a:rPr lang="ko-KR" altLang="en-US" dirty="0" err="1" smtClean="0"/>
+              <a:rPr lang="ko-KR" altLang="en-US" dirty="0" err="1">
+                <a:solidFill>
+                  <a:schemeClr val="bg2"/>
+                </a:solidFill>
+              </a:rPr>
               <a:t>우클릭하면</a:t>
             </a:r>
             <a:r>
-              <a:rPr lang="ko-KR" altLang="en-US" dirty="0" smtClean="0"/>
+              <a:rPr lang="ko-KR" altLang="en-US" dirty="0">
+                <a:solidFill>
+                  <a:schemeClr val="bg2"/>
+                </a:solidFill>
+              </a:rPr>
               <a:t> 그려진 박스를 움직일 수 있도록 합니다</a:t>
             </a:r>
             <a:r>
-              <a:rPr lang="en-US" altLang="ko-KR" dirty="0" smtClean="0"/>
+              <a:rPr lang="en-US" altLang="ko-KR" dirty="0">
+                <a:solidFill>
+                  <a:schemeClr val="bg2"/>
+                </a:solidFill>
+              </a:rPr>
               <a:t>.</a:t>
             </a:r>
           </a:p>
@@ -4359,22 +4579,22 @@
               <a:buFont typeface="Arial" panose="020B0604020202020204" pitchFamily="34" charset="0"/>
               <a:buChar char="•"/>
             </a:pPr>
-            <a:endParaRPr lang="en-US" altLang="ko-KR" dirty="0" smtClean="0"/>
+            <a:endParaRPr lang="en-US" altLang="ko-KR" dirty="0"/>
           </a:p>
           <a:p>
             <a:pPr marL="342900" indent="-342900">
               <a:buAutoNum type="arabicPeriod"/>
             </a:pPr>
             <a:r>
-              <a:rPr lang="en-US" altLang="ko-KR" dirty="0" smtClean="0"/>
+              <a:rPr lang="en-US" altLang="ko-KR" dirty="0"/>
               <a:t>Circle (10</a:t>
             </a:r>
             <a:r>
-              <a:rPr lang="ko-KR" altLang="en-US" dirty="0" smtClean="0"/>
+              <a:rPr lang="ko-KR" altLang="en-US" dirty="0"/>
               <a:t>점</a:t>
             </a:r>
             <a:r>
-              <a:rPr lang="en-US" altLang="ko-KR" dirty="0" smtClean="0"/>
+              <a:rPr lang="en-US" altLang="ko-KR" dirty="0"/>
               <a:t>)</a:t>
             </a:r>
           </a:p>
@@ -4384,14 +4604,26 @@
               <a:buChar char="•"/>
             </a:pPr>
             <a:r>
-              <a:rPr lang="ko-KR" altLang="en-US" dirty="0" err="1" smtClean="0"/>
+              <a:rPr lang="ko-KR" altLang="en-US" dirty="0" err="1">
+                <a:solidFill>
+                  <a:schemeClr val="bg2"/>
+                </a:solidFill>
+              </a:rPr>
               <a:t>좌클릭으로</a:t>
             </a:r>
             <a:r>
-              <a:rPr lang="ko-KR" altLang="en-US" dirty="0" smtClean="0"/>
+              <a:rPr lang="ko-KR" altLang="en-US" dirty="0">
+                <a:solidFill>
+                  <a:schemeClr val="bg2"/>
+                </a:solidFill>
+              </a:rPr>
               <a:t> 드래그 한 영역에 원을 그려주세요</a:t>
             </a:r>
-            <a:endParaRPr lang="en-US" altLang="ko-KR" dirty="0" smtClean="0"/>
+            <a:endParaRPr lang="en-US" altLang="ko-KR" dirty="0">
+              <a:solidFill>
+                <a:schemeClr val="bg2"/>
+              </a:solidFill>
+            </a:endParaRPr>
           </a:p>
           <a:p>
             <a:pPr marL="742950" lvl="1" indent="-285750">
@@ -4399,99 +4631,142 @@
               <a:buChar char="•"/>
             </a:pPr>
             <a:r>
-              <a:rPr lang="ko-KR" altLang="en-US" dirty="0" err="1" smtClean="0"/>
+              <a:rPr lang="ko-KR" altLang="en-US" dirty="0" err="1">
+                <a:solidFill>
+                  <a:schemeClr val="bg2"/>
+                </a:solidFill>
+              </a:rPr>
               <a:t>우클릭하고</a:t>
             </a:r>
             <a:r>
-              <a:rPr lang="ko-KR" altLang="en-US" dirty="0" smtClean="0"/>
+              <a:rPr lang="ko-KR" altLang="en-US" dirty="0">
+                <a:solidFill>
+                  <a:schemeClr val="bg2"/>
+                </a:solidFill>
+              </a:rPr>
               <a:t> 우측으로 움직이면 크기를 키우고</a:t>
             </a:r>
             <a:r>
-              <a:rPr lang="en-US" altLang="ko-KR" dirty="0" smtClean="0"/>
+              <a:rPr lang="en-US" altLang="ko-KR" dirty="0">
+                <a:solidFill>
+                  <a:schemeClr val="bg2"/>
+                </a:solidFill>
+              </a:rPr>
               <a:t>, </a:t>
             </a:r>
             <a:r>
-              <a:rPr lang="ko-KR" altLang="en-US" dirty="0" smtClean="0"/>
+              <a:rPr lang="ko-KR" altLang="en-US" dirty="0">
+                <a:solidFill>
+                  <a:schemeClr val="bg2"/>
+                </a:solidFill>
+              </a:rPr>
               <a:t>좌측으로 </a:t>
             </a:r>
             <a:r>
-              <a:rPr lang="ko-KR" altLang="en-US" dirty="0" err="1" smtClean="0"/>
+              <a:rPr lang="ko-KR" altLang="en-US" dirty="0" err="1">
+                <a:solidFill>
+                  <a:schemeClr val="bg2"/>
+                </a:solidFill>
+              </a:rPr>
               <a:t>갈경우</a:t>
             </a:r>
             <a:r>
-              <a:rPr lang="ko-KR" altLang="en-US" dirty="0" smtClean="0"/>
+              <a:rPr lang="ko-KR" altLang="en-US" dirty="0">
+                <a:solidFill>
+                  <a:schemeClr val="bg2"/>
+                </a:solidFill>
+              </a:rPr>
               <a:t> 크기를 줄여주세요 </a:t>
             </a:r>
             <a:r>
-              <a:rPr lang="en-US" altLang="ko-KR" dirty="0" smtClean="0"/>
+              <a:rPr lang="en-US" altLang="ko-KR" dirty="0">
+                <a:solidFill>
+                  <a:schemeClr val="bg2"/>
+                </a:solidFill>
+              </a:rPr>
               <a:t>(100px </a:t>
             </a:r>
             <a:r>
-              <a:rPr lang="ko-KR" altLang="en-US" dirty="0" smtClean="0"/>
+              <a:rPr lang="ko-KR" altLang="en-US" dirty="0">
+                <a:solidFill>
+                  <a:schemeClr val="bg2"/>
+                </a:solidFill>
+              </a:rPr>
               <a:t>정도에 </a:t>
             </a:r>
             <a:r>
-              <a:rPr lang="en-US" altLang="ko-KR" dirty="0" smtClean="0"/>
+              <a:rPr lang="en-US" altLang="ko-KR" dirty="0">
+                <a:solidFill>
+                  <a:schemeClr val="bg2"/>
+                </a:solidFill>
+              </a:rPr>
               <a:t>2</a:t>
             </a:r>
             <a:r>
-              <a:rPr lang="ko-KR" altLang="en-US" dirty="0" smtClean="0"/>
+              <a:rPr lang="ko-KR" altLang="en-US" dirty="0">
+                <a:solidFill>
+                  <a:schemeClr val="bg2"/>
+                </a:solidFill>
+              </a:rPr>
               <a:t>배 </a:t>
             </a:r>
             <a:r>
-              <a:rPr lang="en-US" altLang="ko-KR" dirty="0" smtClean="0"/>
+              <a:rPr lang="en-US" altLang="ko-KR" dirty="0">
+                <a:solidFill>
+                  <a:schemeClr val="bg2"/>
+                </a:solidFill>
+              </a:rPr>
               <a:t>/ 0.5</a:t>
             </a:r>
             <a:r>
-              <a:rPr lang="ko-KR" altLang="en-US" dirty="0" smtClean="0"/>
-              <a:t>배</a:t>
-            </a:r>
-            <a:r>
-              <a:rPr lang="ko-KR" altLang="en-US" dirty="0" smtClean="0"/>
-              <a:t> 커지도록</a:t>
-            </a:r>
-            <a:r>
-              <a:rPr lang="en-US" altLang="ko-KR" dirty="0" smtClean="0"/>
+              <a:rPr lang="ko-KR" altLang="en-US" dirty="0">
+                <a:solidFill>
+                  <a:schemeClr val="bg2"/>
+                </a:solidFill>
+              </a:rPr>
+              <a:t>배 커지도록</a:t>
+            </a:r>
+            <a:r>
+              <a:rPr lang="en-US" altLang="ko-KR" dirty="0">
+                <a:solidFill>
+                  <a:schemeClr val="bg2"/>
+                </a:solidFill>
+              </a:rPr>
               <a:t>)</a:t>
             </a:r>
-            <a:endParaRPr lang="en-US" altLang="ko-KR" dirty="0" smtClean="0"/>
           </a:p>
           <a:p>
             <a:pPr marL="342900" indent="-342900">
               <a:buAutoNum type="arabicPeriod"/>
             </a:pPr>
-            <a:endParaRPr lang="en-US" altLang="ko-KR" dirty="0" smtClean="0"/>
+            <a:endParaRPr lang="en-US" altLang="ko-KR" dirty="0"/>
           </a:p>
           <a:p>
             <a:pPr marL="342900" indent="-342900">
               <a:buAutoNum type="arabicPeriod"/>
             </a:pPr>
             <a:r>
-              <a:rPr lang="en-US" altLang="ko-KR" dirty="0" err="1" smtClean="0"/>
+              <a:rPr lang="en-US" altLang="ko-KR" dirty="0" err="1"/>
               <a:t>Bonobono</a:t>
             </a:r>
             <a:r>
-              <a:rPr lang="en-US" altLang="ko-KR" dirty="0" smtClean="0"/>
+              <a:rPr lang="en-US" altLang="ko-KR" dirty="0"/>
               <a:t> (</a:t>
             </a:r>
             <a:r>
-              <a:rPr lang="ko-KR" altLang="en-US" dirty="0" smtClean="0"/>
+              <a:rPr lang="ko-KR" altLang="en-US" dirty="0"/>
               <a:t>총</a:t>
             </a:r>
             <a:r>
-              <a:rPr lang="en-US" altLang="ko-KR" dirty="0" smtClean="0"/>
-              <a:t>1</a:t>
-            </a:r>
-            <a:r>
               <a:rPr lang="en-US" altLang="ko-KR" dirty="0"/>
-              <a:t>5</a:t>
-            </a:r>
-            <a:r>
-              <a:rPr lang="ko-KR" altLang="en-US" dirty="0" smtClean="0"/>
+              <a:t>15</a:t>
+            </a:r>
+            <a:r>
+              <a:rPr lang="ko-KR" altLang="en-US" dirty="0"/>
               <a:t>점</a:t>
             </a:r>
             <a:r>
-              <a:rPr lang="en-US" altLang="ko-KR" dirty="0" smtClean="0"/>
+              <a:rPr lang="en-US" altLang="ko-KR" dirty="0"/>
               <a:t>)</a:t>
             </a:r>
           </a:p>
@@ -4501,35 +4776,67 @@
               <a:buChar char="•"/>
             </a:pPr>
             <a:r>
-              <a:rPr lang="ko-KR" altLang="en-US" dirty="0" smtClean="0"/>
+              <a:rPr lang="ko-KR" altLang="en-US" dirty="0">
+                <a:solidFill>
+                  <a:schemeClr val="bg2"/>
+                </a:solidFill>
+              </a:rPr>
               <a:t>화면에 </a:t>
             </a:r>
             <a:r>
-              <a:rPr lang="ko-KR" altLang="en-US" dirty="0" err="1" smtClean="0"/>
+              <a:rPr lang="ko-KR" altLang="en-US" dirty="0" err="1">
+                <a:solidFill>
+                  <a:schemeClr val="bg2"/>
+                </a:solidFill>
+              </a:rPr>
               <a:t>보노보노를</a:t>
             </a:r>
             <a:r>
-              <a:rPr lang="ko-KR" altLang="en-US" dirty="0" smtClean="0"/>
+              <a:rPr lang="ko-KR" altLang="en-US" dirty="0">
+                <a:solidFill>
+                  <a:schemeClr val="bg2"/>
+                </a:solidFill>
+              </a:rPr>
               <a:t> </a:t>
             </a:r>
             <a:r>
-              <a:rPr lang="ko-KR" altLang="en-US" dirty="0" err="1" smtClean="0"/>
+              <a:rPr lang="ko-KR" altLang="en-US" dirty="0" err="1">
+                <a:solidFill>
+                  <a:schemeClr val="bg2"/>
+                </a:solidFill>
+              </a:rPr>
               <a:t>그리시오</a:t>
             </a:r>
             <a:r>
-              <a:rPr lang="ko-KR" altLang="en-US" dirty="0" smtClean="0"/>
+              <a:rPr lang="ko-KR" altLang="en-US" dirty="0">
+                <a:solidFill>
+                  <a:schemeClr val="bg2"/>
+                </a:solidFill>
+              </a:rPr>
               <a:t> </a:t>
             </a:r>
             <a:r>
-              <a:rPr lang="en-US" altLang="ko-KR" dirty="0" smtClean="0"/>
+              <a:rPr lang="en-US" altLang="ko-KR" dirty="0">
+                <a:solidFill>
+                  <a:schemeClr val="bg2"/>
+                </a:solidFill>
+              </a:rPr>
               <a:t>(5</a:t>
             </a:r>
             <a:r>
-              <a:rPr lang="ko-KR" altLang="en-US" dirty="0" smtClean="0"/>
+              <a:rPr lang="ko-KR" altLang="en-US" dirty="0">
+                <a:solidFill>
+                  <a:schemeClr val="bg2"/>
+                </a:solidFill>
+              </a:rPr>
               <a:t>점</a:t>
             </a:r>
             <a:r>
-              <a:rPr lang="en-US" altLang="ko-KR" dirty="0" smtClean="0"/>
+              <a:rPr lang="en-US" altLang="ko-KR" dirty="0">
+                <a:solidFill>
+                  <a:schemeClr val="bg2"/>
+                </a:solidFill>
+              </a:rPr>
               <a:t>)</a:t>
             </a:r>
           </a:p>
@@ -4539,31 +4846,59 @@
               <a:buChar char="•"/>
             </a:pPr>
             <a:r>
-              <a:rPr lang="ko-KR" altLang="en-US" dirty="0" err="1" smtClean="0"/>
+              <a:rPr lang="ko-KR" altLang="en-US" dirty="0" err="1">
+                <a:solidFill>
+                  <a:schemeClr val="bg2"/>
+                </a:solidFill>
+              </a:rPr>
               <a:t>스페이스바</a:t>
             </a:r>
             <a:r>
-              <a:rPr lang="ko-KR" altLang="en-US" dirty="0" smtClean="0"/>
+              <a:rPr lang="ko-KR" altLang="en-US" dirty="0">
+                <a:solidFill>
+                  <a:schemeClr val="bg2"/>
+                </a:solidFill>
+              </a:rPr>
               <a:t> 누르면 </a:t>
             </a:r>
             <a:r>
-              <a:rPr lang="ko-KR" altLang="en-US" dirty="0" err="1" smtClean="0"/>
+              <a:rPr lang="ko-KR" altLang="en-US" dirty="0" err="1">
+                <a:solidFill>
+                  <a:schemeClr val="bg2"/>
+                </a:solidFill>
+              </a:rPr>
               <a:t>보노보노가</a:t>
             </a:r>
             <a:r>
-              <a:rPr lang="ko-KR" altLang="en-US" dirty="0" smtClean="0"/>
+              <a:rPr lang="ko-KR" altLang="en-US" dirty="0">
+                <a:solidFill>
+                  <a:schemeClr val="bg2"/>
+                </a:solidFill>
+              </a:rPr>
               <a:t> 눈을 감고 떼면 눈뜨게 해보세요 </a:t>
             </a:r>
             <a:r>
-              <a:rPr lang="en-US" altLang="ko-KR" dirty="0" smtClean="0"/>
+              <a:rPr lang="en-US" altLang="ko-KR" dirty="0">
+                <a:solidFill>
+                  <a:schemeClr val="bg2"/>
+                </a:solidFill>
+              </a:rPr>
               <a:t>(10</a:t>
             </a:r>
             <a:r>
-              <a:rPr lang="ko-KR" altLang="en-US" dirty="0" smtClean="0"/>
+              <a:rPr lang="ko-KR" altLang="en-US" dirty="0">
+                <a:solidFill>
+                  <a:schemeClr val="bg2"/>
+                </a:solidFill>
+              </a:rPr>
               <a:t>점</a:t>
             </a:r>
             <a:r>
-              <a:rPr lang="en-US" altLang="ko-KR" dirty="0" smtClean="0"/>
+              <a:rPr lang="en-US" altLang="ko-KR" dirty="0">
+                <a:solidFill>
+                  <a:schemeClr val="bg2"/>
+                </a:solidFill>
+              </a:rPr>
               <a:t>)</a:t>
             </a:r>
           </a:p>
@@ -4573,68 +4908,108 @@
               <a:buChar char="•"/>
             </a:pPr>
             <a:r>
-              <a:rPr lang="ko-KR" altLang="en-US" dirty="0" err="1" smtClean="0"/>
+              <a:rPr lang="ko-KR" altLang="en-US" dirty="0" err="1">
+                <a:solidFill>
+                  <a:schemeClr val="bg2"/>
+                </a:solidFill>
+              </a:rPr>
               <a:t>보노보노는</a:t>
             </a:r>
             <a:r>
-              <a:rPr lang="ko-KR" altLang="en-US" dirty="0" smtClean="0"/>
+              <a:rPr lang="ko-KR" altLang="en-US" dirty="0">
+                <a:solidFill>
+                  <a:schemeClr val="bg2"/>
+                </a:solidFill>
+              </a:rPr>
               <a:t> 드로잉 영역 중간에 </a:t>
             </a:r>
             <a:r>
-              <a:rPr lang="ko-KR" altLang="en-US" dirty="0" err="1" smtClean="0"/>
+              <a:rPr lang="ko-KR" altLang="en-US" dirty="0" err="1">
+                <a:solidFill>
+                  <a:schemeClr val="bg2"/>
+                </a:solidFill>
+              </a:rPr>
               <a:t>그려져야하며</a:t>
             </a:r>
             <a:r>
-              <a:rPr lang="ko-KR" altLang="en-US" dirty="0" smtClean="0"/>
+              <a:rPr lang="ko-KR" altLang="en-US" dirty="0">
+                <a:solidFill>
+                  <a:schemeClr val="bg2"/>
+                </a:solidFill>
+              </a:rPr>
               <a:t> 색상은 </a:t>
             </a:r>
             <a:r>
-              <a:rPr lang="ko-KR" altLang="en-US" dirty="0" err="1" smtClean="0"/>
+              <a:rPr lang="ko-KR" altLang="en-US" dirty="0" err="1">
+                <a:solidFill>
+                  <a:schemeClr val="bg2"/>
+                </a:solidFill>
+              </a:rPr>
               <a:t>다음과같음</a:t>
             </a:r>
-            <a:endParaRPr lang="en-US" altLang="ko-KR" dirty="0" smtClean="0"/>
+            <a:endParaRPr lang="en-US" altLang="ko-KR" dirty="0">
+              <a:solidFill>
+                <a:schemeClr val="bg2"/>
+              </a:solidFill>
+            </a:endParaRPr>
           </a:p>
           <a:p>
             <a:pPr lvl="1"/>
             <a:r>
-              <a:rPr lang="en-US" altLang="ko-KR" dirty="0"/>
-              <a:t> </a:t>
-            </a:r>
-            <a:r>
-              <a:rPr lang="en-US" altLang="ko-KR" dirty="0" smtClean="0"/>
-              <a:t>  </a:t>
-            </a:r>
-            <a:r>
-              <a:rPr lang="ko-KR" altLang="en-US" dirty="0" smtClean="0"/>
+              <a:rPr lang="en-US" altLang="ko-KR" dirty="0">
+                <a:solidFill>
+                  <a:schemeClr val="bg2"/>
+                </a:solidFill>
+              </a:rPr>
+              <a:t>   </a:t>
+            </a:r>
+            <a:r>
+              <a:rPr lang="ko-KR" altLang="en-US" dirty="0">
+                <a:solidFill>
+                  <a:schemeClr val="bg2"/>
+                </a:solidFill>
+              </a:rPr>
               <a:t>피부 </a:t>
             </a:r>
             <a:r>
-              <a:rPr lang="en-US" altLang="ko-KR" dirty="0" smtClean="0"/>
+              <a:rPr lang="en-US" altLang="ko-KR" dirty="0">
+                <a:solidFill>
+                  <a:schemeClr val="bg2"/>
+                </a:solidFill>
+              </a:rPr>
               <a:t>RGB(127,200,255)</a:t>
             </a:r>
           </a:p>
           <a:p>
             <a:pPr lvl="1"/>
             <a:r>
-              <a:rPr lang="en-US" altLang="ko-KR" dirty="0"/>
-              <a:t> </a:t>
-            </a:r>
-            <a:r>
-              <a:rPr lang="en-US" altLang="ko-KR" dirty="0" smtClean="0"/>
-              <a:t>  </a:t>
-            </a:r>
-            <a:r>
-              <a:rPr lang="ko-KR" altLang="en-US" dirty="0" smtClean="0"/>
+              <a:rPr lang="en-US" altLang="ko-KR" dirty="0">
+                <a:solidFill>
+                  <a:schemeClr val="bg2"/>
+                </a:solidFill>
+              </a:rPr>
+              <a:t>   </a:t>
+            </a:r>
+            <a:r>
+              <a:rPr lang="ko-KR" altLang="en-US" dirty="0">
+                <a:solidFill>
+                  <a:schemeClr val="bg2"/>
+                </a:solidFill>
+              </a:rPr>
               <a:t>입 </a:t>
             </a:r>
             <a:r>
-              <a:rPr lang="en-US" altLang="ko-KR" dirty="0" smtClean="0"/>
+              <a:rPr lang="en-US" altLang="ko-KR" dirty="0">
+                <a:solidFill>
+                  <a:schemeClr val="bg2"/>
+                </a:solidFill>
+              </a:rPr>
               <a:t>RGB(255,150,255)</a:t>
             </a:r>
           </a:p>
           <a:p>
             <a:pPr lvl="1"/>
-            <a:endParaRPr lang="en-US" altLang="ko-KR" dirty="0" smtClean="0"/>
+            <a:endParaRPr lang="en-US" altLang="ko-KR" dirty="0"/>
           </a:p>
         </p:txBody>
       </p:sp>
@@ -4691,27 +5066,27 @@
           <a:lstStyle/>
           <a:p>
             <a:r>
-              <a:rPr lang="ko-KR" altLang="en-US" b="1" dirty="0" smtClean="0"/>
+              <a:rPr lang="ko-KR" altLang="en-US" b="1" dirty="0"/>
               <a:t>디자이너나 기획자가 작성했다고 생각하고 보세요</a:t>
             </a:r>
             <a:r>
-              <a:rPr lang="en-US" altLang="ko-KR" b="1" dirty="0" smtClean="0"/>
+              <a:rPr lang="en-US" altLang="ko-KR" b="1" dirty="0"/>
               <a:t>2</a:t>
             </a:r>
             <a:r>
-              <a:rPr lang="ko-KR" altLang="en-US" b="1" dirty="0" smtClean="0"/>
+              <a:rPr lang="ko-KR" altLang="en-US" b="1" dirty="0"/>
               <a:t> </a:t>
             </a:r>
             <a:r>
-              <a:rPr lang="en-US" altLang="ko-KR" b="1" dirty="0" smtClean="0"/>
+              <a:rPr lang="en-US" altLang="ko-KR" b="1" dirty="0"/>
               <a:t>(</a:t>
             </a:r>
             <a:r>
-              <a:rPr lang="ko-KR" altLang="en-US" b="1" dirty="0" smtClean="0"/>
+              <a:rPr lang="ko-KR" altLang="en-US" b="1" dirty="0"/>
               <a:t>총</a:t>
             </a:r>
             <a:r>
-              <a:rPr lang="en-US" altLang="ko-KR" b="1" dirty="0" smtClean="0"/>
+              <a:rPr lang="en-US" altLang="ko-KR" b="1" dirty="0"/>
               <a:t>65)</a:t>
             </a:r>
           </a:p>
@@ -4720,7 +5095,7 @@
               <a:buFont typeface="Arial" panose="020B0604020202020204" pitchFamily="34" charset="0"/>
               <a:buChar char="•"/>
             </a:pPr>
-            <a:endParaRPr lang="en-US" altLang="ko-KR" dirty="0" smtClean="0"/>
+            <a:endParaRPr lang="en-US" altLang="ko-KR" dirty="0"/>
           </a:p>
           <a:p>
             <a:pPr marL="285750" indent="-285750">
@@ -4728,11 +5103,11 @@
               <a:buChar char="•"/>
             </a:pPr>
             <a:r>
-              <a:rPr lang="ko-KR" altLang="en-US" dirty="0" smtClean="0"/>
+              <a:rPr lang="ko-KR" altLang="en-US" dirty="0"/>
               <a:t>버튼에 대한 기능입니다</a:t>
             </a:r>
             <a:r>
-              <a:rPr lang="en-US" altLang="ko-KR" dirty="0" smtClean="0"/>
+              <a:rPr lang="en-US" altLang="ko-KR" dirty="0"/>
               <a:t>.</a:t>
             </a:r>
           </a:p>
@@ -4742,11 +5117,19 @@
               <a:buChar char="•"/>
             </a:pPr>
             <a:r>
-              <a:rPr lang="ko-KR" altLang="en-US" dirty="0" smtClean="0"/>
+              <a:rPr lang="ko-KR" altLang="en-US" dirty="0">
+                <a:solidFill>
+                  <a:schemeClr val="bg2"/>
+                </a:solidFill>
+              </a:rPr>
               <a:t>모든 버튼은 누르면 드로잉 영역을 초기화한다</a:t>
             </a:r>
             <a:r>
-              <a:rPr lang="en-US" altLang="ko-KR" dirty="0" smtClean="0"/>
+              <a:rPr lang="en-US" altLang="ko-KR" dirty="0">
+                <a:solidFill>
+                  <a:schemeClr val="bg2"/>
+                </a:solidFill>
+              </a:rPr>
               <a:t>.</a:t>
             </a:r>
           </a:p>
@@ -4756,27 +5139,51 @@
               <a:buChar char="•"/>
             </a:pPr>
             <a:r>
-              <a:rPr lang="ko-KR" altLang="en-US" dirty="0" smtClean="0"/>
+              <a:rPr lang="ko-KR" altLang="en-US" dirty="0">
+                <a:solidFill>
+                  <a:schemeClr val="bg2"/>
+                </a:solidFill>
+              </a:rPr>
               <a:t>오브젝트는 무조건 </a:t>
             </a:r>
             <a:r>
-              <a:rPr lang="en-US" altLang="ko-KR" dirty="0" smtClean="0"/>
+              <a:rPr lang="en-US" altLang="ko-KR" dirty="0">
+                <a:solidFill>
+                  <a:schemeClr val="bg2"/>
+                </a:solidFill>
+              </a:rPr>
               <a:t>1</a:t>
             </a:r>
             <a:r>
-              <a:rPr lang="ko-KR" altLang="en-US" dirty="0" smtClean="0"/>
+              <a:rPr lang="ko-KR" altLang="en-US" dirty="0">
+                <a:solidFill>
+                  <a:schemeClr val="bg2"/>
+                </a:solidFill>
+              </a:rPr>
               <a:t>개씩만 그릴 수 있다 </a:t>
             </a:r>
             <a:r>
-              <a:rPr lang="en-US" altLang="ko-KR" dirty="0" smtClean="0"/>
+              <a:rPr lang="en-US" altLang="ko-KR" dirty="0">
+                <a:solidFill>
+                  <a:schemeClr val="bg2"/>
+                </a:solidFill>
+              </a:rPr>
               <a:t>(</a:t>
             </a:r>
             <a:r>
-              <a:rPr lang="ko-KR" altLang="en-US" dirty="0" smtClean="0"/>
+              <a:rPr lang="ko-KR" altLang="en-US" dirty="0">
+                <a:solidFill>
+                  <a:schemeClr val="bg2"/>
+                </a:solidFill>
+              </a:rPr>
               <a:t>덮어쓰기 안됨</a:t>
             </a:r>
             <a:r>
-              <a:rPr lang="en-US" altLang="ko-KR" dirty="0" smtClean="0"/>
+              <a:rPr lang="en-US" altLang="ko-KR" dirty="0">
+                <a:solidFill>
+                  <a:schemeClr val="bg2"/>
+                </a:solidFill>
+              </a:rPr>
               <a:t>)</a:t>
             </a:r>
           </a:p>
@@ -4786,61 +5193,77 @@
               <a:buChar char="•"/>
             </a:pPr>
             <a:r>
-              <a:rPr lang="ko-KR" altLang="en-US" dirty="0" smtClean="0"/>
+              <a:rPr lang="ko-KR" altLang="en-US" dirty="0">
+                <a:solidFill>
+                  <a:schemeClr val="bg2"/>
+                </a:solidFill>
+              </a:rPr>
               <a:t>위 요소 </a:t>
             </a:r>
             <a:r>
-              <a:rPr lang="ko-KR" altLang="en-US" dirty="0" err="1" smtClean="0"/>
+              <a:rPr lang="ko-KR" altLang="en-US" dirty="0" err="1">
+                <a:solidFill>
+                  <a:schemeClr val="bg2"/>
+                </a:solidFill>
+              </a:rPr>
               <a:t>안지켜지면</a:t>
             </a:r>
             <a:r>
-              <a:rPr lang="ko-KR" altLang="en-US" dirty="0" smtClean="0"/>
+              <a:rPr lang="ko-KR" altLang="en-US" dirty="0">
+                <a:solidFill>
+                  <a:schemeClr val="bg2"/>
+                </a:solidFill>
+              </a:rPr>
               <a:t> </a:t>
             </a:r>
             <a:r>
-              <a:rPr lang="en-US" altLang="ko-KR" dirty="0" smtClean="0"/>
+              <a:rPr lang="en-US" altLang="ko-KR" dirty="0">
+                <a:solidFill>
+                  <a:schemeClr val="bg2"/>
+                </a:solidFill>
+              </a:rPr>
               <a:t>5</a:t>
             </a:r>
             <a:r>
-              <a:rPr lang="ko-KR" altLang="en-US" dirty="0" smtClean="0"/>
+              <a:rPr lang="ko-KR" altLang="en-US" dirty="0">
+                <a:solidFill>
+                  <a:schemeClr val="bg2"/>
+                </a:solidFill>
+              </a:rPr>
               <a:t>점씩 감점</a:t>
             </a:r>
             <a:r>
-              <a:rPr lang="en-US" altLang="ko-KR" dirty="0" smtClean="0"/>
+              <a:rPr lang="en-US" altLang="ko-KR" dirty="0">
+                <a:solidFill>
+                  <a:schemeClr val="bg2"/>
+                </a:solidFill>
+              </a:rPr>
               <a:t> </a:t>
             </a:r>
           </a:p>
           <a:p>
             <a:pPr lvl="1"/>
-            <a:endParaRPr lang="en-US" altLang="ko-KR" dirty="0" smtClean="0"/>
+            <a:endParaRPr lang="en-US" altLang="ko-KR" dirty="0"/>
           </a:p>
           <a:p>
             <a:r>
               <a:rPr lang="en-US" altLang="ko-KR" dirty="0"/>
-              <a:t>4</a:t>
-            </a:r>
-            <a:r>
-              <a:rPr lang="en-US" altLang="ko-KR" dirty="0" smtClean="0"/>
-              <a:t>. Ryan (</a:t>
-            </a:r>
-            <a:r>
-              <a:rPr lang="ko-KR" altLang="en-US" dirty="0" smtClean="0"/>
+              <a:t>4. Ryan (</a:t>
+            </a:r>
+            <a:r>
+              <a:rPr lang="ko-KR" altLang="en-US" dirty="0"/>
               <a:t>총 </a:t>
             </a:r>
             <a:r>
-              <a:rPr lang="en-US" altLang="ko-KR" dirty="0" smtClean="0"/>
-              <a:t>1</a:t>
-            </a:r>
-            <a:r>
               <a:rPr lang="en-US" altLang="ko-KR" dirty="0"/>
-              <a:t>5</a:t>
-            </a:r>
-            <a:r>
-              <a:rPr lang="ko-KR" altLang="en-US" dirty="0" smtClean="0"/>
+              <a:t>15</a:t>
+            </a:r>
+            <a:r>
+              <a:rPr lang="ko-KR" altLang="en-US" dirty="0"/>
               <a:t>점</a:t>
             </a:r>
             <a:r>
-              <a:rPr lang="en-US" altLang="ko-KR" dirty="0" smtClean="0"/>
+              <a:rPr lang="en-US" altLang="ko-KR" dirty="0"/>
               <a:t>)</a:t>
             </a:r>
           </a:p>
@@ -4850,31 +5273,59 @@
               <a:buChar char="•"/>
             </a:pPr>
             <a:r>
-              <a:rPr lang="ko-KR" altLang="en-US" dirty="0" smtClean="0"/>
+              <a:rPr lang="ko-KR" altLang="en-US" dirty="0">
+                <a:solidFill>
+                  <a:schemeClr val="bg2"/>
+                </a:solidFill>
+              </a:rPr>
               <a:t>영역을 드래그해서 라이언을 </a:t>
             </a:r>
             <a:r>
-              <a:rPr lang="ko-KR" altLang="en-US" dirty="0" err="1" smtClean="0"/>
+              <a:rPr lang="ko-KR" altLang="en-US" dirty="0" err="1">
+                <a:solidFill>
+                  <a:schemeClr val="bg2"/>
+                </a:solidFill>
+              </a:rPr>
               <a:t>그리시오</a:t>
             </a:r>
             <a:r>
-              <a:rPr lang="en-US" altLang="ko-KR" dirty="0" smtClean="0"/>
+              <a:rPr lang="en-US" altLang="ko-KR" dirty="0">
+                <a:solidFill>
+                  <a:schemeClr val="bg2"/>
+                </a:solidFill>
+              </a:rPr>
               <a:t>. (</a:t>
             </a:r>
             <a:r>
-              <a:rPr lang="ko-KR" altLang="en-US" dirty="0" smtClean="0"/>
+              <a:rPr lang="ko-KR" altLang="en-US" dirty="0">
+                <a:solidFill>
+                  <a:schemeClr val="bg2"/>
+                </a:solidFill>
+              </a:rPr>
               <a:t>보노보노처럼 그려지게만 구현하면 </a:t>
             </a:r>
             <a:r>
-              <a:rPr lang="en-US" altLang="ko-KR" dirty="0" smtClean="0"/>
+              <a:rPr lang="en-US" altLang="ko-KR" dirty="0">
+                <a:solidFill>
+                  <a:schemeClr val="bg2"/>
+                </a:solidFill>
+              </a:rPr>
               <a:t>5</a:t>
             </a:r>
             <a:r>
-              <a:rPr lang="ko-KR" altLang="en-US" dirty="0" smtClean="0"/>
+              <a:rPr lang="ko-KR" altLang="en-US" dirty="0">
+                <a:solidFill>
+                  <a:schemeClr val="bg2"/>
+                </a:solidFill>
+              </a:rPr>
               <a:t>점</a:t>
             </a:r>
             <a:r>
-              <a:rPr lang="en-US" altLang="ko-KR" dirty="0" smtClean="0"/>
+              <a:rPr lang="en-US" altLang="ko-KR" dirty="0">
+                <a:solidFill>
+                  <a:schemeClr val="bg2"/>
+                </a:solidFill>
+              </a:rPr>
               <a:t>)</a:t>
             </a:r>
           </a:p>
@@ -4884,14 +5335,26 @@
               <a:buChar char="•"/>
             </a:pPr>
             <a:r>
-              <a:rPr lang="ko-KR" altLang="en-US" dirty="0" smtClean="0"/>
+              <a:rPr lang="ko-KR" altLang="en-US" dirty="0">
+                <a:solidFill>
+                  <a:schemeClr val="bg2"/>
+                </a:solidFill>
+              </a:rPr>
               <a:t>즉 드래그하는 위치와 크기에 맞게 라이언이 </a:t>
             </a:r>
             <a:r>
-              <a:rPr lang="ko-KR" altLang="en-US" dirty="0" err="1" smtClean="0"/>
+              <a:rPr lang="ko-KR" altLang="en-US" dirty="0" err="1">
+                <a:solidFill>
+                  <a:schemeClr val="bg2"/>
+                </a:solidFill>
+              </a:rPr>
               <a:t>그려져야함</a:t>
             </a:r>
-            <a:endParaRPr lang="en-US" altLang="ko-KR" dirty="0"/>
+            <a:endParaRPr lang="en-US" altLang="ko-KR" dirty="0">
+              <a:solidFill>
+                <a:schemeClr val="bg2"/>
+              </a:solidFill>
+            </a:endParaRPr>
           </a:p>
           <a:p>
             <a:pPr marL="742950" lvl="1" indent="-285750">
@@ -4899,7 +5362,11 @@
               <a:buChar char="•"/>
             </a:pPr>
             <a:r>
-              <a:rPr lang="en-US" altLang="ko-KR" dirty="0" smtClean="0"/>
+              <a:rPr lang="en-US" altLang="ko-KR" dirty="0">
+                <a:solidFill>
+                  <a:schemeClr val="bg2"/>
+                </a:solidFill>
+              </a:rPr>
               <a:t>RGB(255,200,15)</a:t>
             </a:r>
           </a:p>
@@ -4908,31 +5375,27 @@
               <a:buFont typeface="Arial" panose="020B0604020202020204" pitchFamily="34" charset="0"/>
               <a:buChar char="•"/>
             </a:pPr>
-            <a:endParaRPr lang="en-US" altLang="ko-KR" dirty="0" smtClean="0"/>
-          </a:p>
-          <a:p>
-            <a:r>
-              <a:rPr lang="en-US" altLang="ko-KR" dirty="0" smtClean="0"/>
+            <a:endParaRPr lang="en-US" altLang="ko-KR" dirty="0"/>
+          </a:p>
+          <a:p>
+            <a:r>
+              <a:rPr lang="en-US" altLang="ko-KR" dirty="0"/>
               <a:t>5. Cube (</a:t>
             </a:r>
             <a:r>
-              <a:rPr lang="ko-KR" altLang="en-US" dirty="0" smtClean="0"/>
+              <a:rPr lang="ko-KR" altLang="en-US" dirty="0"/>
               <a:t>총 </a:t>
             </a:r>
             <a:r>
-              <a:rPr lang="en-US" altLang="ko-KR" dirty="0" smtClean="0"/>
-              <a:t>2</a:t>
-            </a:r>
-            <a:r>
               <a:rPr lang="en-US" altLang="ko-KR" dirty="0"/>
-              <a:t>5</a:t>
-            </a:r>
-            <a:r>
-              <a:rPr lang="ko-KR" altLang="en-US" dirty="0" smtClean="0"/>
+              <a:t>25</a:t>
+            </a:r>
+            <a:r>
+              <a:rPr lang="ko-KR" altLang="en-US" dirty="0"/>
               <a:t>점</a:t>
             </a:r>
             <a:r>
-              <a:rPr lang="en-US" altLang="ko-KR" dirty="0" smtClean="0"/>
+              <a:rPr lang="en-US" altLang="ko-KR" dirty="0"/>
               <a:t>)</a:t>
             </a:r>
           </a:p>
@@ -4942,14 +5405,32 @@
               <a:buChar char="•"/>
             </a:pPr>
             <a:r>
-              <a:rPr lang="ko-KR" altLang="en-US" dirty="0" smtClean="0"/>
+              <a:rPr lang="ko-KR" altLang="en-US" dirty="0">
+                <a:solidFill>
+                  <a:schemeClr val="bg1">
+                    <a:lumMod val="85000"/>
+                  </a:schemeClr>
+                </a:solidFill>
+              </a:rPr>
               <a:t>영역을 드래그해서 큐브를 </a:t>
             </a:r>
             <a:r>
-              <a:rPr lang="ko-KR" altLang="en-US" dirty="0" err="1" smtClean="0"/>
+              <a:rPr lang="ko-KR" altLang="en-US" dirty="0" err="1">
+                <a:solidFill>
+                  <a:schemeClr val="bg1">
+                    <a:lumMod val="85000"/>
+                  </a:schemeClr>
+                </a:solidFill>
+              </a:rPr>
               <a:t>그리시오</a:t>
             </a:r>
-            <a:endParaRPr lang="en-US" altLang="ko-KR" dirty="0" smtClean="0"/>
+            <a:endParaRPr lang="en-US" altLang="ko-KR" dirty="0">
+              <a:solidFill>
+                <a:schemeClr val="bg1">
+                  <a:lumMod val="85000"/>
+                </a:schemeClr>
+              </a:solidFill>
+            </a:endParaRPr>
           </a:p>
           <a:p>
             <a:pPr marL="742950" lvl="1" indent="-285750">
@@ -4957,14 +5438,32 @@
               <a:buChar char="•"/>
             </a:pPr>
             <a:r>
-              <a:rPr lang="ko-KR" altLang="en-US" dirty="0" err="1" smtClean="0"/>
+              <a:rPr lang="ko-KR" altLang="en-US" dirty="0" err="1">
+                <a:solidFill>
+                  <a:schemeClr val="bg1">
+                    <a:lumMod val="85000"/>
+                  </a:schemeClr>
+                </a:solidFill>
+              </a:rPr>
               <a:t>우클릭으로</a:t>
             </a:r>
             <a:r>
-              <a:rPr lang="ko-KR" altLang="en-US" dirty="0" smtClean="0"/>
+              <a:rPr lang="ko-KR" altLang="en-US" dirty="0">
+                <a:solidFill>
+                  <a:schemeClr val="bg1">
+                    <a:lumMod val="85000"/>
+                  </a:schemeClr>
+                </a:solidFill>
+              </a:rPr>
               <a:t> 큐브를 이동해보세요</a:t>
             </a:r>
-            <a:endParaRPr lang="en-US" altLang="ko-KR" dirty="0" smtClean="0"/>
+            <a:endParaRPr lang="en-US" altLang="ko-KR" dirty="0">
+              <a:solidFill>
+                <a:schemeClr val="bg1">
+                  <a:lumMod val="85000"/>
+                </a:schemeClr>
+              </a:solidFill>
+            </a:endParaRPr>
           </a:p>
           <a:p>
             <a:pPr marL="742950" lvl="1" indent="-285750">
@@ -4972,22 +5471,18 @@
               <a:buChar char="•"/>
             </a:pPr>
             <a:r>
-              <a:rPr lang="ko-KR" altLang="en-US" dirty="0" err="1" smtClean="0"/>
-              <a:t>좌클릭으로</a:t>
-            </a:r>
-            <a:r>
-              <a:rPr lang="ko-KR" altLang="en-US" dirty="0" smtClean="0"/>
-              <a:t> 큐브를 확대</a:t>
-            </a:r>
-            <a:r>
-              <a:rPr lang="en-US" altLang="ko-KR" dirty="0" smtClean="0"/>
+              <a:rPr lang="ko-KR" altLang="en-US" dirty="0"/>
+              <a:t>좌클릭으로 큐브를 확대</a:t>
+            </a:r>
+            <a:r>
+              <a:rPr lang="en-US" altLang="ko-KR" dirty="0"/>
               <a:t>/</a:t>
             </a:r>
             <a:r>
-              <a:rPr lang="ko-KR" altLang="en-US" dirty="0" smtClean="0"/>
+              <a:rPr lang="ko-KR" altLang="en-US" dirty="0"/>
               <a:t>축소 해보세요</a:t>
             </a:r>
-            <a:endParaRPr lang="en-US" altLang="ko-KR" dirty="0" smtClean="0"/>
+            <a:endParaRPr lang="en-US" altLang="ko-KR" dirty="0"/>
           </a:p>
           <a:p>
             <a:pPr marL="742950" lvl="1" indent="-285750">
@@ -4995,33 +5490,36 @@
               <a:buChar char="•"/>
             </a:pPr>
             <a:r>
-              <a:rPr lang="ko-KR" altLang="en-US" dirty="0" smtClean="0"/>
+              <a:rPr lang="ko-KR" altLang="en-US" dirty="0"/>
               <a:t>고양이 그림처럼 드래그 영역에 따라 </a:t>
             </a:r>
             <a:r>
-              <a:rPr lang="ko-KR" altLang="en-US" dirty="0" err="1" smtClean="0"/>
+              <a:rPr lang="ko-KR" altLang="en-US" dirty="0" err="1"/>
               <a:t>큐브모양이</a:t>
             </a:r>
-            <a:r>
-              <a:rPr lang="en-US" altLang="ko-KR" dirty="0" smtClean="0"/>
-              <a:t/>
-            </a:r>
             <a:br>
-              <a:rPr lang="en-US" altLang="ko-KR" dirty="0" smtClean="0"/>
+              <a:rPr lang="en-US" altLang="ko-KR" dirty="0"/>
             </a:br>
             <a:r>
-              <a:rPr lang="ko-KR" altLang="en-US" dirty="0" smtClean="0"/>
-              <a:t>거울에 반사된거처럼 그려지도록 </a:t>
-            </a:r>
-            <a:r>
-              <a:rPr lang="ko-KR" altLang="en-US" dirty="0" err="1" smtClean="0"/>
+              <a:rPr lang="ko-KR" altLang="en-US" dirty="0"/>
+              <a:t>거울에 </a:t>
+            </a:r>
+            <a:r>
+              <a:rPr lang="ko-KR" altLang="en-US" dirty="0" err="1"/>
+              <a:t>반사된거처럼</a:t>
+            </a:r>
+            <a:r>
+              <a:rPr lang="ko-KR" altLang="en-US" dirty="0"/>
+              <a:t> 그려지도록 </a:t>
+            </a:r>
+            <a:r>
+              <a:rPr lang="ko-KR" altLang="en-US" dirty="0" err="1"/>
               <a:t>설계하시오</a:t>
             </a:r>
             <a:r>
-              <a:rPr lang="en-US" altLang="ko-KR" dirty="0" smtClean="0"/>
+              <a:rPr lang="en-US" altLang="ko-KR" dirty="0"/>
               <a:t>.</a:t>
             </a:r>
-            <a:endParaRPr lang="en-US" altLang="ko-KR" dirty="0"/>
           </a:p>
         </p:txBody>
       </p:sp>
@@ -5273,15 +5771,15 @@
           <a:lstStyle/>
           <a:p>
             <a:r>
-              <a:rPr lang="en-US" altLang="ko-KR" dirty="0" smtClean="0"/>
+              <a:rPr lang="en-US" altLang="ko-KR" dirty="0"/>
               <a:t>HINT : </a:t>
             </a:r>
             <a:r>
-              <a:rPr lang="ko-KR" altLang="en-US" dirty="0" smtClean="0"/>
+              <a:rPr lang="ko-KR" altLang="en-US" dirty="0"/>
               <a:t>모든 방향에 대해 </a:t>
             </a:r>
             <a:r>
-              <a:rPr lang="ko-KR" altLang="en-US" dirty="0" err="1" smtClean="0"/>
+              <a:rPr lang="ko-KR" altLang="en-US" dirty="0" err="1"/>
               <a:t>그려져야함</a:t>
             </a:r>
             <a:endParaRPr lang="ko-KR" altLang="en-US" dirty="0"/>
@@ -5311,10 +5809,9 @@
           <a:lstStyle/>
           <a:p>
             <a:r>
-              <a:rPr lang="ko-KR" altLang="en-US" smtClean="0"/>
+              <a:rPr lang="ko-KR" altLang="en-US" dirty="0"/>
               <a:t>요방향으로만 그리면 안됨</a:t>
             </a:r>
-            <a:endParaRPr lang="ko-KR" altLang="en-US"/>
           </a:p>
         </p:txBody>
       </p:sp>
@@ -5348,6 +5845,69 @@
           <a:chExt cx="0" cy="0"/>
         </a:xfrm>
       </p:grpSpPr>
+      <p:graphicFrame>
+        <p:nvGraphicFramePr>
+          <p:cNvPr id="13" name="개체 12">
+            <a:extLst>
+              <a:ext uri="{FF2B5EF4-FFF2-40B4-BE49-F238E27FC236}">
+                <a16:creationId xmlns:a16="http://schemas.microsoft.com/office/drawing/2014/main" id="{E8309238-4EE8-440F-A30B-C22FBB6F3811}"/>
+              </a:ext>
+            </a:extLst>
+          </p:cNvPr>
+          <p:cNvGraphicFramePr>
+            <a:graphicFrameLocks noChangeAspect="1"/>
+          </p:cNvGraphicFramePr>
+          <p:nvPr>
+            <p:extLst>
+              <p:ext uri="{D42A27DB-BD31-4B8C-83A1-F6EECF244321}">
+                <p14:modId xmlns:p14="http://schemas.microsoft.com/office/powerpoint/2010/main" val="2043695455"/>
+              </p:ext>
+            </p:extLst>
+          </p:nvPr>
+        </p:nvGraphicFramePr>
+        <p:xfrm>
+          <a:off x="6715791" y="3682660"/>
+          <a:ext cx="2954747" cy="2382265"/>
+        </p:xfrm>
+        <a:graphic>
+          <a:graphicData uri="http://schemas.openxmlformats.org/presentationml/2006/ole">
+            <mc:AlternateContent xmlns:mc="http://schemas.openxmlformats.org/markup-compatibility/2006">
+              <mc:Choice xmlns:v="urn:schemas-microsoft-com:vml" Requires="v">
+                <p:oleObj spid="_x0000_s1038" r:id="rId3" imgW="2031480" imgH="1638000" progId="">
+                  <p:embed/>
+                </p:oleObj>
+              </mc:Choice>
+              <mc:Fallback>
+                <p:oleObj r:id="rId3" imgW="2031480" imgH="1638000" progId="">
+                  <p:embed/>
+                  <p:pic>
+                    <p:nvPicPr>
+                      <p:cNvPr id="0" name=""/>
+                      <p:cNvPicPr/>
+                      <p:nvPr/>
+                    </p:nvPicPr>
+                    <p:blipFill>
+                      <a:blip r:embed="rId4"/>
+                      <a:stretch>
+                        <a:fillRect/>
+                      </a:stretch>
+                    </p:blipFill>
+                    <p:spPr>
+                      <a:xfrm>
+                        <a:off x="6715791" y="3682660"/>
+                        <a:ext cx="2954747" cy="2382265"/>
+                      </a:xfrm>
+                      <a:prstGeom prst="rect">
+                        <a:avLst/>
+                      </a:prstGeom>
+                    </p:spPr>
+                  </p:pic>
+                </p:oleObj>
+              </mc:Fallback>
+            </mc:AlternateContent>
+          </a:graphicData>
+        </a:graphic>
+      </p:graphicFrame>
       <p:grpSp>
         <p:nvGrpSpPr>
           <p:cNvPr id="43" name="그룹 42"/>
@@ -5376,6 +5936,9 @@
             <a:prstGeom prst="ellipse">
               <a:avLst/>
             </a:prstGeom>
+            <a:solidFill>
+              <a:srgbClr val="C00000"/>
+            </a:solidFill>
             <a:ln>
               <a:solidFill>
                 <a:schemeClr val="tx1"/>
@@ -6481,8 +7044,8 @@
         </p:nvSpPr>
         <p:spPr>
           <a:xfrm>
-            <a:off x="552450" y="1905000"/>
-            <a:ext cx="2019300" cy="2162175"/>
+            <a:off x="138591" y="3485662"/>
+            <a:ext cx="2586853" cy="2162175"/>
           </a:xfrm>
           <a:prstGeom prst="cube">
             <a:avLst/>
@@ -6531,7 +7094,7 @@
         </p:nvSpPr>
         <p:spPr>
           <a:xfrm>
-            <a:off x="914400" y="4705350"/>
+            <a:off x="2078484" y="248759"/>
             <a:ext cx="561564" cy="369332"/>
           </a:xfrm>
           <a:prstGeom prst="rect">
@@ -6546,7 +7109,7 @@
           <a:lstStyle/>
           <a:p>
             <a:r>
-              <a:rPr lang="en-US" altLang="ko-KR" dirty="0" smtClean="0"/>
+              <a:rPr lang="en-US" altLang="ko-KR" dirty="0"/>
               <a:t>Box</a:t>
             </a:r>
             <a:endParaRPr lang="ko-KR" altLang="en-US" dirty="0"/>
@@ -6561,7 +7124,7 @@
         </p:nvSpPr>
         <p:spPr>
           <a:xfrm>
-            <a:off x="4391526" y="6486431"/>
+            <a:off x="6025725" y="6451274"/>
             <a:ext cx="1274708" cy="369332"/>
           </a:xfrm>
           <a:prstGeom prst="rect">
@@ -6576,7 +7139,7 @@
           <a:lstStyle/>
           <a:p>
             <a:r>
-              <a:rPr lang="en-US" altLang="ko-KR" dirty="0" err="1" smtClean="0"/>
+              <a:rPr lang="en-US" altLang="ko-KR" dirty="0" err="1"/>
               <a:t>Bonobono</a:t>
             </a:r>
             <a:endParaRPr lang="ko-KR" altLang="en-US" dirty="0"/>
@@ -6606,7 +7169,7 @@
           <a:lstStyle/>
           <a:p>
             <a:r>
-              <a:rPr lang="en-US" altLang="ko-KR" dirty="0" smtClean="0"/>
+              <a:rPr lang="en-US" altLang="ko-KR" dirty="0"/>
               <a:t>Ryan</a:t>
             </a:r>
             <a:endParaRPr lang="ko-KR" altLang="en-US" dirty="0"/>
@@ -6621,7 +7184,7 @@
         </p:nvGrpSpPr>
         <p:grpSpPr>
           <a:xfrm>
-            <a:off x="3431384" y="3382627"/>
+            <a:off x="6435634" y="3287234"/>
             <a:ext cx="3194991" cy="3131080"/>
             <a:chOff x="3368386" y="1278082"/>
             <a:chExt cx="3194991" cy="3131080"/>
@@ -7083,7 +7646,7 @@
         </p:nvCxnSpPr>
         <p:spPr>
           <a:xfrm flipH="1">
-            <a:off x="3882716" y="4684037"/>
+            <a:off x="5339611" y="4760333"/>
             <a:ext cx="156260" cy="80408"/>
           </a:xfrm>
           <a:prstGeom prst="line">
@@ -7118,7 +7681,7 @@
         </p:nvCxnSpPr>
         <p:spPr>
           <a:xfrm>
-            <a:off x="3898319" y="4565111"/>
+            <a:off x="5300908" y="4566750"/>
             <a:ext cx="126949" cy="137699"/>
           </a:xfrm>
           <a:prstGeom prst="line">
@@ -7145,6 +7708,99 @@
           </a:fontRef>
         </p:style>
       </p:cxnSp>
+      <p:pic>
+        <p:nvPicPr>
+          <p:cNvPr id="3" name="그림 2">
+            <a:extLst>
+              <a:ext uri="{FF2B5EF4-FFF2-40B4-BE49-F238E27FC236}">
+                <a16:creationId xmlns:a16="http://schemas.microsoft.com/office/drawing/2014/main" id="{09E94F86-8D91-4D86-ADD1-920E454209D2}"/>
+              </a:ext>
+            </a:extLst>
+          </p:cNvPr>
+          <p:cNvPicPr>
+            <a:picLocks noChangeAspect="1"/>
+          </p:cNvPicPr>
+          <p:nvPr/>
+        </p:nvPicPr>
+        <p:blipFill>
+          <a:blip r:embed="rId5"/>
+          <a:stretch>
+            <a:fillRect/>
+          </a:stretch>
+        </p:blipFill>
+        <p:spPr>
+          <a:xfrm>
+            <a:off x="2463178" y="4041513"/>
+            <a:ext cx="3282120" cy="2567728"/>
+          </a:xfrm>
+          <a:prstGeom prst="rect">
+            <a:avLst/>
+          </a:prstGeom>
+        </p:spPr>
+      </p:pic>
+      <p:graphicFrame>
+        <p:nvGraphicFramePr>
+          <p:cNvPr id="2" name="개체 1">
+            <a:extLst>
+              <a:ext uri="{FF2B5EF4-FFF2-40B4-BE49-F238E27FC236}">
+                <a16:creationId xmlns:a16="http://schemas.microsoft.com/office/drawing/2014/main" id="{DBF9AE96-706E-4AEB-AC8A-9A907125E350}"/>
+              </a:ext>
+            </a:extLst>
+          </p:cNvPr>
+          <p:cNvGraphicFramePr>
+            <a:graphicFrameLocks noChangeAspect="1"/>
+          </p:cNvGraphicFramePr>
+          <p:nvPr>
+            <p:extLst>
+              <p:ext uri="{D42A27DB-BD31-4B8C-83A1-F6EECF244321}">
+                <p14:modId xmlns:p14="http://schemas.microsoft.com/office/powerpoint/2010/main" val="3396049883"/>
+              </p:ext>
+            </p:extLst>
+          </p:nvPr>
+        </p:nvGraphicFramePr>
+        <p:xfrm>
+          <a:off x="2368154" y="3611766"/>
+          <a:ext cx="4129408" cy="3241105"/>
+        </p:xfrm>
+        <a:graphic>
+          <a:graphicData uri="http://schemas.openxmlformats.org/presentationml/2006/ole">
+            <mc:AlternateContent xmlns:mc="http://schemas.openxmlformats.org/markup-compatibility/2006">
+              <mc:Choice xmlns:v="urn:schemas-microsoft-com:vml" Requires="v">
+                <p:oleObj spid="_x0000_s1039" r:id="rId6" imgW="4368240" imgH="3428280" progId="">
+                  <p:embed/>
+                </p:oleObj>
+              </mc:Choice>
+              <mc:Fallback>
+                <p:oleObj r:id="rId6" imgW="4368240" imgH="3428280" progId="">
+                  <p:embed/>
+                  <p:pic>
+                    <p:nvPicPr>
+                      <p:cNvPr id="0" name=""/>
+                      <p:cNvPicPr/>
+                      <p:nvPr/>
+                    </p:nvPicPr>
+                    <p:blipFill>
+                      <a:blip r:embed="rId7"/>
+                      <a:stretch>
+                        <a:fillRect/>
+                      </a:stretch>
+                    </p:blipFill>
+                    <p:spPr>
+                      <a:xfrm>
+                        <a:off x="2368154" y="3611766"/>
+                        <a:ext cx="4129408" cy="3241105"/>
+                      </a:xfrm>
+                      <a:prstGeom prst="rect">
+                        <a:avLst/>
+                      </a:prstGeom>
+                    </p:spPr>
+                  </p:pic>
+                </p:oleObj>
+              </mc:Fallback>
+            </mc:AlternateContent>
+          </a:graphicData>
+        </a:graphic>
+      </p:graphicFrame>
     </p:spTree>
     <p:extLst>
       <p:ext uri="{BB962C8B-B14F-4D97-AF65-F5344CB8AC3E}">
